--- a/Web Services and Cloud Technologies/03. Building a Server Application with WebAPI/Building-a-Server-Application-with-WebAPI.pptx
+++ b/Web Services and Cloud Technologies/03. Building a Server Application with WebAPI/Building-a-Server-Application-with-WebAPI.pptx
@@ -210,10 +210,9 @@
           </a:lstStyle>
           <a:p>
             <a:r>
-              <a:rPr lang="en-US" dirty="0" smtClean="0"/>
+              <a:rPr lang="en-US" dirty="0"/>
               <a:t>Presentation Title</a:t>
             </a:r>
-            <a:endParaRPr lang="en-US" dirty="0"/>
           </a:p>
         </p:txBody>
       </p:sp>
@@ -274,10 +273,9 @@
           </a:lstStyle>
           <a:p>
             <a:r>
-              <a:rPr lang="en-US" dirty="0" smtClean="0"/>
+              <a:rPr lang="en-US" dirty="0"/>
               <a:t>Presentation Subtitle</a:t>
             </a:r>
-            <a:endParaRPr lang="en-US" dirty="0"/>
           </a:p>
         </p:txBody>
       </p:sp>
@@ -380,10 +378,9 @@
           <a:p>
             <a:pPr lvl="0"/>
             <a:r>
-              <a:rPr lang="en-US" dirty="0" smtClean="0"/>
+              <a:rPr lang="en-US" dirty="0"/>
               <a:t>Author Name</a:t>
             </a:r>
-            <a:endParaRPr lang="en-US" dirty="0"/>
           </a:p>
         </p:txBody>
       </p:sp>
@@ -459,7 +456,7 @@
               <a:buNone/>
             </a:pPr>
             <a:r>
-              <a:rPr lang="en-US" sz="1800" b="1" dirty="0" smtClean="0">
+              <a:rPr lang="en-US" sz="1800" b="1" dirty="0">
                 <a:solidFill>
                   <a:srgbClr val="0EFE58"/>
                 </a:solidFill>
@@ -473,18 +470,6 @@
               </a:rPr>
               <a:t>Company Name</a:t>
             </a:r>
-            <a:endParaRPr lang="en-US" sz="1800" b="1" dirty="0">
-              <a:solidFill>
-                <a:srgbClr val="0EFE58"/>
-              </a:solidFill>
-              <a:effectLst>
-                <a:outerShdw blurRad="38100" dist="38100" dir="2700000" algn="tl">
-                  <a:srgbClr val="000000">
-                    <a:alpha val="43137"/>
-                  </a:srgbClr>
-                </a:outerShdw>
-              </a:effectLst>
-            </a:endParaRPr>
           </a:p>
         </p:txBody>
       </p:sp>
@@ -541,7 +526,7 @@
           <a:p>
             <a:pPr algn="l"/>
             <a:r>
-              <a:rPr lang="en-US" sz="1600" b="1" dirty="0" smtClean="0">
+              <a:rPr lang="en-US" sz="1600" b="1" dirty="0">
                 <a:solidFill>
                   <a:schemeClr val="tx1">
                     <a:lumMod val="50000"/>
@@ -557,20 +542,6 @@
               </a:rPr>
               <a:t>Company Web Site</a:t>
             </a:r>
-            <a:endParaRPr lang="en-US" sz="1600" b="1" dirty="0">
-              <a:solidFill>
-                <a:schemeClr val="tx1">
-                  <a:lumMod val="50000"/>
-                </a:schemeClr>
-              </a:solidFill>
-              <a:effectLst>
-                <a:outerShdw blurRad="38100" dist="38100" dir="2700000" algn="tl">
-                  <a:srgbClr val="000000">
-                    <a:alpha val="43137"/>
-                  </a:srgbClr>
-                </a:outerShdw>
-              </a:effectLst>
-            </a:endParaRPr>
           </a:p>
         </p:txBody>
       </p:sp>
@@ -629,10 +600,9 @@
           <a:p>
             <a:pPr lvl="0"/>
             <a:r>
-              <a:rPr lang="en-US" dirty="0" smtClean="0"/>
+              <a:rPr lang="en-US" dirty="0"/>
               <a:t>Position</a:t>
             </a:r>
-            <a:endParaRPr lang="en-US" dirty="0"/>
           </a:p>
         </p:txBody>
       </p:sp>
@@ -691,7 +661,7 @@
           <a:p>
             <a:pPr lvl="0"/>
             <a:r>
-              <a:rPr lang="en-US" smtClean="0"/>
+              <a:rPr lang="en-US"/>
               <a:t>Web Site</a:t>
             </a:r>
             <a:endParaRPr lang="en-US" dirty="0"/>
@@ -727,10 +697,9 @@
           </a:lstStyle>
           <a:p>
             <a:r>
-              <a:rPr lang="en-US" dirty="0" smtClean="0"/>
+              <a:rPr lang="en-US" dirty="0"/>
               <a:t>Insert a Picture Here</a:t>
             </a:r>
-            <a:endParaRPr lang="en-US" dirty="0"/>
           </a:p>
         </p:txBody>
       </p:sp>
@@ -744,13 +713,6 @@
   <p:clrMapOvr>
     <a:masterClrMapping/>
   </p:clrMapOvr>
-  <p:timing>
-    <p:tnLst>
-      <p:par>
-        <p:cTn id="1" dur="indefinite" restart="never" nodeType="tmRoot"/>
-      </p:par>
-    </p:tnLst>
-  </p:timing>
 </p:sldLayout>
 </file>
 
@@ -828,10 +790,9 @@
           </a:lstStyle>
           <a:p>
             <a:r>
-              <a:rPr lang="en-US" dirty="0" smtClean="0"/>
+              <a:rPr lang="en-US" dirty="0"/>
               <a:t>Slide Title</a:t>
             </a:r>
-            <a:endParaRPr lang="en-US" dirty="0"/>
           </a:p>
         </p:txBody>
       </p:sp>
@@ -968,38 +929,37 @@
           <a:p>
             <a:pPr lvl="0"/>
             <a:r>
-              <a:rPr lang="en-US" dirty="0" smtClean="0"/>
+              <a:rPr lang="en-US" dirty="0"/>
               <a:t>First Level</a:t>
             </a:r>
           </a:p>
           <a:p>
             <a:pPr lvl="1"/>
             <a:r>
-              <a:rPr lang="en-US" dirty="0" smtClean="0"/>
+              <a:rPr lang="en-US" dirty="0"/>
               <a:t>Second level</a:t>
             </a:r>
           </a:p>
           <a:p>
             <a:pPr lvl="2"/>
             <a:r>
-              <a:rPr lang="en-US" dirty="0" smtClean="0"/>
+              <a:rPr lang="en-US" dirty="0"/>
               <a:t>Third level</a:t>
             </a:r>
           </a:p>
           <a:p>
             <a:pPr lvl="3"/>
             <a:r>
-              <a:rPr lang="en-US" dirty="0" smtClean="0"/>
+              <a:rPr lang="en-US" dirty="0"/>
               <a:t>Fourth level</a:t>
             </a:r>
           </a:p>
           <a:p>
             <a:pPr lvl="4"/>
             <a:r>
-              <a:rPr lang="en-US" dirty="0" smtClean="0"/>
+              <a:rPr lang="en-US" dirty="0"/>
               <a:t>Fifth level</a:t>
             </a:r>
-            <a:endParaRPr lang="en-US" dirty="0"/>
           </a:p>
         </p:txBody>
       </p:sp>
@@ -1048,13 +1008,6 @@
   <p:clrMapOvr>
     <a:masterClrMapping/>
   </p:clrMapOvr>
-  <p:timing>
-    <p:tnLst>
-      <p:par>
-        <p:cTn id="1" dur="indefinite" restart="never" nodeType="tmRoot"/>
-      </p:par>
-    </p:tnLst>
-  </p:timing>
 </p:sldLayout>
 </file>
 
@@ -1117,10 +1070,9 @@
           </a:lstStyle>
           <a:p>
             <a:r>
-              <a:rPr lang="en-US" dirty="0" smtClean="0"/>
+              <a:rPr lang="en-US" dirty="0"/>
               <a:t>Slide Title</a:t>
             </a:r>
-            <a:endParaRPr lang="en-US" dirty="0"/>
           </a:p>
         </p:txBody>
       </p:sp>
@@ -1287,7 +1239,7 @@
               <a:defRPr/>
             </a:pPr>
             <a:r>
-              <a:rPr kumimoji="0" lang="en-US" sz="3200" b="1" i="0" u="none" strike="noStrike" kern="1200" cap="none" spc="0" normalizeH="0" baseline="0" noProof="0" dirty="0" smtClean="0">
+              <a:rPr kumimoji="0" lang="en-US" sz="3200" b="1" i="0" u="none" strike="noStrike" kern="1200" cap="none" spc="0" normalizeH="0" baseline="0" noProof="0" dirty="0">
                 <a:ln>
                   <a:noFill/>
                 </a:ln>
@@ -1371,65 +1323,65 @@
           <a:p>
             <a:pPr lvl="0"/>
             <a:r>
-              <a:rPr lang="en-US" noProof="1" smtClean="0"/>
+              <a:rPr lang="en-US" noProof="1"/>
               <a:t>Enter source code here</a:t>
             </a:r>
           </a:p>
           <a:p>
             <a:pPr lvl="0"/>
-            <a:endParaRPr lang="en-US" noProof="1" smtClean="0"/>
+            <a:endParaRPr lang="en-US" noProof="1"/>
           </a:p>
           <a:p>
             <a:pPr lvl="0"/>
-            <a:endParaRPr lang="en-US" noProof="1" smtClean="0"/>
+            <a:endParaRPr lang="en-US" noProof="1"/>
           </a:p>
           <a:p>
             <a:pPr lvl="0"/>
-            <a:endParaRPr lang="en-US" noProof="1" smtClean="0"/>
+            <a:endParaRPr lang="en-US" noProof="1"/>
           </a:p>
           <a:p>
             <a:pPr lvl="0"/>
-            <a:endParaRPr lang="en-US" noProof="1" smtClean="0"/>
+            <a:endParaRPr lang="en-US" noProof="1"/>
           </a:p>
           <a:p>
             <a:pPr lvl="0"/>
-            <a:endParaRPr lang="en-US" noProof="1" smtClean="0"/>
+            <a:endParaRPr lang="en-US" noProof="1"/>
           </a:p>
           <a:p>
             <a:pPr lvl="0"/>
-            <a:endParaRPr lang="en-US" noProof="1" smtClean="0"/>
+            <a:endParaRPr lang="en-US" noProof="1"/>
           </a:p>
           <a:p>
             <a:pPr lvl="0"/>
-            <a:endParaRPr lang="en-US" noProof="1" smtClean="0"/>
+            <a:endParaRPr lang="en-US" noProof="1"/>
           </a:p>
           <a:p>
             <a:pPr lvl="0"/>
-            <a:endParaRPr lang="en-US" noProof="1" smtClean="0"/>
+            <a:endParaRPr lang="en-US" noProof="1"/>
           </a:p>
           <a:p>
             <a:pPr lvl="0"/>
-            <a:endParaRPr lang="en-US" noProof="1" smtClean="0"/>
+            <a:endParaRPr lang="en-US" noProof="1"/>
           </a:p>
           <a:p>
             <a:pPr lvl="0"/>
-            <a:endParaRPr lang="en-US" noProof="1" smtClean="0"/>
+            <a:endParaRPr lang="en-US" noProof="1"/>
           </a:p>
           <a:p>
             <a:pPr lvl="0"/>
-            <a:endParaRPr lang="en-US" noProof="1" smtClean="0"/>
+            <a:endParaRPr lang="en-US" noProof="1"/>
           </a:p>
           <a:p>
             <a:pPr lvl="0"/>
-            <a:endParaRPr lang="en-US" noProof="1" smtClean="0"/>
+            <a:endParaRPr lang="en-US" noProof="1"/>
           </a:p>
           <a:p>
             <a:pPr lvl="0"/>
-            <a:endParaRPr lang="en-US" noProof="1" smtClean="0"/>
+            <a:endParaRPr lang="en-US" noProof="1"/>
           </a:p>
           <a:p>
             <a:pPr lvl="0"/>
-            <a:endParaRPr lang="en-US" noProof="1" smtClean="0"/>
+            <a:endParaRPr lang="en-US" noProof="1"/>
           </a:p>
         </p:txBody>
       </p:sp>
@@ -1540,10 +1492,9 @@
           </a:lstStyle>
           <a:p>
             <a:r>
-              <a:rPr lang="en-US" dirty="0" smtClean="0"/>
+              <a:rPr lang="en-US" dirty="0"/>
               <a:t>Section Title</a:t>
             </a:r>
-            <a:endParaRPr lang="en-US" dirty="0"/>
           </a:p>
         </p:txBody>
       </p:sp>
@@ -1628,10 +1579,9 @@
           </a:lstStyle>
           <a:p>
             <a:r>
-              <a:rPr lang="en-US" dirty="0" smtClean="0"/>
+              <a:rPr lang="en-US" dirty="0"/>
               <a:t>Section Subtitle</a:t>
             </a:r>
-            <a:endParaRPr lang="en-US" dirty="0"/>
           </a:p>
         </p:txBody>
       </p:sp>
@@ -1645,13 +1595,6 @@
   <p:clrMapOvr>
     <a:masterClrMapping/>
   </p:clrMapOvr>
-  <p:timing>
-    <p:tnLst>
-      <p:par>
-        <p:cTn id="1" dur="indefinite" restart="never" nodeType="tmRoot"/>
-      </p:par>
-    </p:tnLst>
-  </p:timing>
 </p:sldLayout>
 </file>
 
@@ -1729,10 +1672,9 @@
           </a:lstStyle>
           <a:p>
             <a:r>
-              <a:rPr lang="en-US" dirty="0" smtClean="0"/>
+              <a:rPr lang="en-US" dirty="0"/>
               <a:t>Presentation Title</a:t>
             </a:r>
-            <a:endParaRPr lang="en-US" dirty="0"/>
           </a:p>
         </p:txBody>
       </p:sp>
@@ -1768,7 +1710,7 @@
           <a:lstStyle/>
           <a:p>
             <a:r>
-              <a:rPr lang="en-US" sz="9600" b="1" dirty="0" smtClean="0">
+              <a:rPr lang="en-US" sz="9600" b="1" dirty="0">
                 <a:solidFill>
                   <a:schemeClr val="tx1">
                     <a:lumMod val="75000"/>
@@ -1780,16 +1722,6 @@
               </a:rPr>
               <a:t>?</a:t>
             </a:r>
-            <a:endParaRPr lang="en-US" sz="9600" b="1" dirty="0">
-              <a:solidFill>
-                <a:schemeClr val="tx1">
-                  <a:lumMod val="75000"/>
-                </a:schemeClr>
-              </a:solidFill>
-              <a:effectLst>
-                <a:reflection blurRad="6350" stA="55000" endA="300" endPos="45500" dir="5400000" sy="-100000" algn="bl" rotWithShape="0"/>
-              </a:effectLst>
-            </a:endParaRPr>
           </a:p>
         </p:txBody>
       </p:sp>
@@ -1830,7 +1762,7 @@
               </a:lnSpc>
             </a:pPr>
             <a:r>
-              <a:rPr lang="en-US" sz="12000" b="1" dirty="0" smtClean="0">
+              <a:rPr lang="en-US" sz="12000" b="1" dirty="0">
                 <a:solidFill>
                   <a:srgbClr val="FFBF8B"/>
                 </a:solidFill>
@@ -1841,15 +1773,6 @@
               </a:rPr>
               <a:t>?</a:t>
             </a:r>
-            <a:endParaRPr lang="en-US" sz="12000" b="1" dirty="0">
-              <a:solidFill>
-                <a:srgbClr val="FFBF8B"/>
-              </a:solidFill>
-              <a:effectLst>
-                <a:reflection blurRad="6350" stA="55000" endA="300" endPos="45500" dir="5400000" sy="-100000" algn="bl" rotWithShape="0"/>
-              </a:effectLst>
-              <a:latin typeface="Cambria" pitchFamily="18" charset="0"/>
-            </a:endParaRPr>
           </a:p>
         </p:txBody>
       </p:sp>
@@ -1885,7 +1808,7 @@
           <a:lstStyle/>
           <a:p>
             <a:r>
-              <a:rPr lang="en-US" sz="8800" dirty="0" smtClean="0">
+              <a:rPr lang="en-US" sz="8800" dirty="0">
                 <a:solidFill>
                   <a:schemeClr val="accent5">
                     <a:lumMod val="60000"/>
@@ -1898,17 +1821,6 @@
               </a:rPr>
               <a:t>?</a:t>
             </a:r>
-            <a:endParaRPr lang="en-US" sz="8800" dirty="0">
-              <a:solidFill>
-                <a:schemeClr val="accent5">
-                  <a:lumMod val="60000"/>
-                  <a:lumOff val="40000"/>
-                </a:schemeClr>
-              </a:solidFill>
-              <a:effectLst>
-                <a:reflection blurRad="6350" stA="55000" endA="300" endPos="45500" dir="5400000" sy="-100000" algn="bl" rotWithShape="0"/>
-              </a:effectLst>
-            </a:endParaRPr>
           </a:p>
         </p:txBody>
       </p:sp>
@@ -1944,7 +1856,7 @@
           <a:lstStyle/>
           <a:p>
             <a:r>
-              <a:rPr lang="en-US" sz="11500" b="1" dirty="0" smtClean="0">
+              <a:rPr lang="en-US" sz="11500" b="1" dirty="0">
                 <a:solidFill>
                   <a:srgbClr val="FF831D"/>
                 </a:solidFill>
@@ -1954,14 +1866,6 @@
               </a:rPr>
               <a:t>?</a:t>
             </a:r>
-            <a:endParaRPr lang="en-US" sz="11500" b="1" dirty="0">
-              <a:solidFill>
-                <a:srgbClr val="FF831D"/>
-              </a:solidFill>
-              <a:effectLst>
-                <a:reflection blurRad="6350" stA="55000" endA="300" endPos="45500" dir="5400000" sy="-100000" algn="bl" rotWithShape="0"/>
-              </a:effectLst>
-            </a:endParaRPr>
           </a:p>
         </p:txBody>
       </p:sp>
@@ -2004,7 +1908,7 @@
           <a:lstStyle/>
           <a:p>
             <a:r>
-              <a:rPr lang="en-US" sz="12800" b="1" dirty="0" smtClean="0">
+              <a:rPr lang="en-US" sz="12800" b="1" dirty="0">
                 <a:ln w="11430"/>
                 <a:gradFill>
                   <a:gsLst>
@@ -2052,52 +1956,6 @@
               </a:rPr>
               <a:t>?</a:t>
             </a:r>
-            <a:endParaRPr lang="en-US" sz="12800" b="1" dirty="0">
-              <a:ln w="11430"/>
-              <a:gradFill>
-                <a:gsLst>
-                  <a:gs pos="0">
-                    <a:schemeClr val="accent6">
-                      <a:tint val="90000"/>
-                      <a:satMod val="120000"/>
-                    </a:schemeClr>
-                  </a:gs>
-                  <a:gs pos="25000">
-                    <a:schemeClr val="accent6">
-                      <a:tint val="93000"/>
-                      <a:satMod val="120000"/>
-                    </a:schemeClr>
-                  </a:gs>
-                  <a:gs pos="50000">
-                    <a:schemeClr val="accent6">
-                      <a:shade val="89000"/>
-                      <a:satMod val="110000"/>
-                    </a:schemeClr>
-                  </a:gs>
-                  <a:gs pos="75000">
-                    <a:schemeClr val="accent6">
-                      <a:tint val="93000"/>
-                      <a:satMod val="120000"/>
-                    </a:schemeClr>
-                  </a:gs>
-                  <a:gs pos="100000">
-                    <a:schemeClr val="accent6">
-                      <a:tint val="90000"/>
-                      <a:satMod val="120000"/>
-                    </a:schemeClr>
-                  </a:gs>
-                </a:gsLst>
-                <a:lin ang="5400000"/>
-              </a:gradFill>
-              <a:effectLst>
-                <a:innerShdw blurRad="63500" dist="50800" dir="8100000">
-                  <a:prstClr val="black">
-                    <a:alpha val="50000"/>
-                  </a:prstClr>
-                </a:innerShdw>
-                <a:reflection blurRad="6350" stA="55000" endA="300" endPos="45500" dir="5400000" sy="-100000" algn="bl" rotWithShape="0"/>
-              </a:effectLst>
-            </a:endParaRPr>
           </a:p>
         </p:txBody>
       </p:sp>
@@ -2133,7 +1991,7 @@
           <a:lstStyle/>
           <a:p>
             <a:r>
-              <a:rPr lang="en-US" sz="5600" dirty="0" smtClean="0">
+              <a:rPr lang="en-US" sz="5600" dirty="0">
                 <a:solidFill>
                   <a:schemeClr val="tx2">
                     <a:lumMod val="75000"/>
@@ -2145,16 +2003,6 @@
               </a:rPr>
               <a:t>?</a:t>
             </a:r>
-            <a:endParaRPr lang="en-US" sz="5600" dirty="0">
-              <a:solidFill>
-                <a:schemeClr val="tx2">
-                  <a:lumMod val="75000"/>
-                </a:schemeClr>
-              </a:solidFill>
-              <a:effectLst>
-                <a:reflection blurRad="6350" stA="55000" endA="300" endPos="45500" dir="5400000" sy="-100000" algn="bl" rotWithShape="0"/>
-              </a:effectLst>
-            </a:endParaRPr>
           </a:p>
         </p:txBody>
       </p:sp>
@@ -2190,7 +2038,7 @@
           <a:lstStyle/>
           <a:p>
             <a:r>
-              <a:rPr lang="en-US" sz="9600" dirty="0" smtClean="0">
+              <a:rPr lang="en-US" sz="9600" dirty="0">
                 <a:solidFill>
                   <a:srgbClr val="FF4A37"/>
                 </a:solidFill>
@@ -2200,14 +2048,6 @@
               </a:rPr>
               <a:t>?</a:t>
             </a:r>
-            <a:endParaRPr lang="en-US" sz="9600" dirty="0">
-              <a:solidFill>
-                <a:srgbClr val="FF4A37"/>
-              </a:solidFill>
-              <a:effectLst>
-                <a:reflection blurRad="6350" stA="60000" endA="900" endPos="60000" dist="29997" dir="5400000" sy="-100000" algn="bl" rotWithShape="0"/>
-              </a:effectLst>
-            </a:endParaRPr>
           </a:p>
         </p:txBody>
       </p:sp>
@@ -2243,7 +2083,7 @@
           <a:lstStyle/>
           <a:p>
             <a:r>
-              <a:rPr lang="en-US" sz="3600" dirty="0" smtClean="0">
+              <a:rPr lang="en-US" sz="3600" dirty="0">
                 <a:solidFill>
                   <a:schemeClr val="tx2">
                     <a:lumMod val="40000"/>
@@ -2256,17 +2096,6 @@
               </a:rPr>
               <a:t>?</a:t>
             </a:r>
-            <a:endParaRPr lang="en-US" sz="3600" dirty="0">
-              <a:solidFill>
-                <a:schemeClr val="tx2">
-                  <a:lumMod val="40000"/>
-                  <a:lumOff val="60000"/>
-                </a:schemeClr>
-              </a:solidFill>
-              <a:effectLst>
-                <a:reflection blurRad="6350" stA="55000" endA="300" endPos="45500" dir="5400000" sy="-100000" algn="bl" rotWithShape="0"/>
-              </a:effectLst>
-            </a:endParaRPr>
           </a:p>
         </p:txBody>
       </p:sp>
@@ -2302,7 +2131,7 @@
           <a:lstStyle/>
           <a:p>
             <a:r>
-              <a:rPr lang="en-US" sz="6600" dirty="0" smtClean="0">
+              <a:rPr lang="en-US" sz="6600" dirty="0">
                 <a:solidFill>
                   <a:srgbClr val="9966FF"/>
                 </a:solidFill>
@@ -2312,14 +2141,6 @@
               </a:rPr>
               <a:t>?</a:t>
             </a:r>
-            <a:endParaRPr lang="en-US" sz="6600" dirty="0">
-              <a:solidFill>
-                <a:srgbClr val="9966FF"/>
-              </a:solidFill>
-              <a:effectLst>
-                <a:reflection blurRad="6350" stA="55000" endA="300" endPos="45500" dir="5400000" sy="-100000" algn="bl" rotWithShape="0"/>
-              </a:effectLst>
-            </a:endParaRPr>
           </a:p>
         </p:txBody>
       </p:sp>
@@ -2358,7 +2179,7 @@
           <a:lstStyle/>
           <a:p>
             <a:r>
-              <a:rPr lang="en-US" sz="4400" dirty="0" smtClean="0">
+              <a:rPr lang="en-US" sz="4400" dirty="0">
                 <a:solidFill>
                   <a:srgbClr val="FF6699"/>
                 </a:solidFill>
@@ -2368,14 +2189,6 @@
               </a:rPr>
               <a:t>?</a:t>
             </a:r>
-            <a:endParaRPr lang="en-US" sz="4400" dirty="0">
-              <a:solidFill>
-                <a:srgbClr val="FF6699"/>
-              </a:solidFill>
-              <a:effectLst>
-                <a:reflection blurRad="6350" stA="55000" endA="300" endPos="45500" dir="5400000" sy="-100000" algn="bl" rotWithShape="0"/>
-              </a:effectLst>
-            </a:endParaRPr>
           </a:p>
         </p:txBody>
       </p:sp>
@@ -2411,7 +2224,7 @@
           <a:lstStyle/>
           <a:p>
             <a:r>
-              <a:rPr lang="en-US" sz="3600" dirty="0" smtClean="0">
+              <a:rPr lang="en-US" sz="3600" dirty="0">
                 <a:solidFill>
                   <a:schemeClr val="tx2">
                     <a:lumMod val="40000"/>
@@ -2424,17 +2237,6 @@
               </a:rPr>
               <a:t>?</a:t>
             </a:r>
-            <a:endParaRPr lang="en-US" sz="3600" dirty="0">
-              <a:solidFill>
-                <a:schemeClr val="tx2">
-                  <a:lumMod val="40000"/>
-                  <a:lumOff val="60000"/>
-                </a:schemeClr>
-              </a:solidFill>
-              <a:effectLst>
-                <a:reflection blurRad="6350" stA="55000" endA="300" endPos="45500" dir="5400000" sy="-100000" algn="bl" rotWithShape="0"/>
-              </a:effectLst>
-            </a:endParaRPr>
           </a:p>
         </p:txBody>
       </p:sp>
@@ -2463,7 +2265,7 @@
           <a:lstStyle/>
           <a:p>
             <a:r>
-              <a:rPr lang="en-US" sz="6000" b="1" dirty="0" smtClean="0">
+              <a:rPr lang="en-US" sz="6000" b="1" dirty="0">
                 <a:ln w="1905"/>
                 <a:gradFill>
                   <a:gsLst>
@@ -2499,40 +2301,6 @@
               </a:rPr>
               <a:t>?</a:t>
             </a:r>
-            <a:endParaRPr lang="en-US" sz="6000" b="1" dirty="0">
-              <a:ln w="1905"/>
-              <a:gradFill>
-                <a:gsLst>
-                  <a:gs pos="0">
-                    <a:schemeClr val="accent6">
-                      <a:shade val="20000"/>
-                      <a:satMod val="200000"/>
-                    </a:schemeClr>
-                  </a:gs>
-                  <a:gs pos="78000">
-                    <a:schemeClr val="accent6">
-                      <a:tint val="90000"/>
-                      <a:shade val="89000"/>
-                      <a:satMod val="220000"/>
-                    </a:schemeClr>
-                  </a:gs>
-                  <a:gs pos="100000">
-                    <a:schemeClr val="accent6">
-                      <a:tint val="12000"/>
-                      <a:satMod val="255000"/>
-                    </a:schemeClr>
-                  </a:gs>
-                </a:gsLst>
-                <a:lin ang="5400000"/>
-              </a:gradFill>
-              <a:effectLst>
-                <a:innerShdw blurRad="69850" dist="43180" dir="5400000">
-                  <a:srgbClr val="000000">
-                    <a:alpha val="65000"/>
-                  </a:srgbClr>
-                </a:innerShdw>
-              </a:effectLst>
-            </a:endParaRPr>
           </a:p>
         </p:txBody>
       </p:sp>
@@ -2568,7 +2336,7 @@
           <a:lstStyle/>
           <a:p>
             <a:r>
-              <a:rPr lang="en-US" sz="4000" dirty="0" smtClean="0">
+              <a:rPr lang="en-US" sz="4000" dirty="0">
                 <a:solidFill>
                   <a:schemeClr val="accent4">
                     <a:lumMod val="60000"/>
@@ -2581,17 +2349,6 @@
               </a:rPr>
               <a:t>?</a:t>
             </a:r>
-            <a:endParaRPr lang="en-US" sz="4000" dirty="0">
-              <a:solidFill>
-                <a:schemeClr val="accent4">
-                  <a:lumMod val="60000"/>
-                  <a:lumOff val="40000"/>
-                </a:schemeClr>
-              </a:solidFill>
-              <a:effectLst>
-                <a:reflection blurRad="6350" stA="55000" endA="300" endPos="45500" dir="5400000" sy="-100000" algn="bl" rotWithShape="0"/>
-              </a:effectLst>
-            </a:endParaRPr>
           </a:p>
         </p:txBody>
       </p:sp>
@@ -2632,7 +2389,7 @@
           <a:lstStyle/>
           <a:p>
             <a:r>
-              <a:rPr lang="en-US" sz="4000" b="1" spc="150" dirty="0" smtClean="0">
+              <a:rPr lang="en-US" sz="4000" b="1" spc="150" dirty="0">
                 <a:ln w="11430"/>
                 <a:solidFill>
                   <a:schemeClr val="accent4">
@@ -2650,22 +2407,6 @@
               </a:rPr>
               <a:t>?</a:t>
             </a:r>
-            <a:endParaRPr lang="en-US" sz="4000" b="1" spc="150" dirty="0">
-              <a:ln w="11430"/>
-              <a:solidFill>
-                <a:schemeClr val="accent4">
-                  <a:lumMod val="60000"/>
-                  <a:lumOff val="40000"/>
-                </a:schemeClr>
-              </a:solidFill>
-              <a:effectLst>
-                <a:outerShdw blurRad="25400" algn="tl" rotWithShape="0">
-                  <a:srgbClr val="000000">
-                    <a:alpha val="43000"/>
-                  </a:srgbClr>
-                </a:outerShdw>
-              </a:effectLst>
-            </a:endParaRPr>
           </a:p>
         </p:txBody>
       </p:sp>
@@ -2694,7 +2435,7 @@
           <a:lstStyle/>
           <a:p>
             <a:r>
-              <a:rPr lang="en-US" sz="3600" b="1" dirty="0" smtClean="0">
+              <a:rPr lang="en-US" sz="3600" b="1" dirty="0">
                 <a:ln w="19050">
                   <a:solidFill>
                     <a:schemeClr val="accent4">
@@ -2783,7 +2524,7 @@
           <a:lstStyle/>
           <a:p>
             <a:r>
-              <a:rPr lang="en-US" sz="4400" dirty="0" smtClean="0">
+              <a:rPr lang="en-US" sz="4400" dirty="0">
                 <a:ln>
                   <a:solidFill>
                     <a:schemeClr val="accent2">
@@ -2804,25 +2545,6 @@
               </a:rPr>
               <a:t>?</a:t>
             </a:r>
-            <a:endParaRPr lang="en-US" sz="4400" dirty="0">
-              <a:ln>
-                <a:solidFill>
-                  <a:schemeClr val="accent2">
-                    <a:lumMod val="40000"/>
-                    <a:lumOff val="60000"/>
-                  </a:schemeClr>
-                </a:solidFill>
-              </a:ln>
-              <a:solidFill>
-                <a:schemeClr val="accent6">
-                  <a:lumMod val="60000"/>
-                  <a:lumOff val="40000"/>
-                </a:schemeClr>
-              </a:solidFill>
-              <a:effectLst>
-                <a:reflection blurRad="6350" stA="55000" endA="300" endPos="45500" dir="5400000" sy="-100000" algn="bl" rotWithShape="0"/>
-              </a:effectLst>
-            </a:endParaRPr>
           </a:p>
         </p:txBody>
       </p:sp>
@@ -2858,7 +2580,7 @@
           <a:lstStyle/>
           <a:p>
             <a:r>
-              <a:rPr lang="en-US" sz="2800" dirty="0" smtClean="0">
+              <a:rPr lang="en-US" sz="2800" dirty="0">
                 <a:ln>
                   <a:solidFill>
                     <a:schemeClr val="tx1">
@@ -2878,24 +2600,6 @@
               </a:rPr>
               <a:t>?</a:t>
             </a:r>
-            <a:endParaRPr lang="en-US" sz="2800" dirty="0">
-              <a:ln>
-                <a:solidFill>
-                  <a:schemeClr val="tx1">
-                    <a:lumMod val="75000"/>
-                  </a:schemeClr>
-                </a:solidFill>
-              </a:ln>
-              <a:solidFill>
-                <a:schemeClr val="accent4">
-                  <a:lumMod val="60000"/>
-                  <a:lumOff val="40000"/>
-                </a:schemeClr>
-              </a:solidFill>
-              <a:effectLst>
-                <a:reflection blurRad="6350" stA="55000" endA="300" endPos="45500" dir="5400000" sy="-100000" algn="bl" rotWithShape="0"/>
-              </a:effectLst>
-            </a:endParaRPr>
           </a:p>
         </p:txBody>
       </p:sp>
@@ -2931,7 +2635,7 @@
           <a:lstStyle/>
           <a:p>
             <a:r>
-              <a:rPr lang="en-US" sz="2800" b="1" dirty="0" smtClean="0">
+              <a:rPr lang="en-US" sz="2800" b="1" dirty="0">
                 <a:ln w="31550" cmpd="sng">
                   <a:solidFill>
                     <a:schemeClr val="tx2">
@@ -3014,7 +2718,7 @@
           <a:lstStyle/>
           <a:p>
             <a:r>
-              <a:rPr lang="en-US" sz="3200" dirty="0" smtClean="0">
+              <a:rPr lang="en-US" sz="3200" dirty="0">
                 <a:ln>
                   <a:solidFill>
                     <a:schemeClr val="accent1">
@@ -3035,25 +2739,6 @@
               </a:rPr>
               <a:t>?</a:t>
             </a:r>
-            <a:endParaRPr lang="en-US" sz="3200" dirty="0">
-              <a:ln>
-                <a:solidFill>
-                  <a:schemeClr val="accent1">
-                    <a:lumMod val="40000"/>
-                    <a:lumOff val="60000"/>
-                  </a:schemeClr>
-                </a:solidFill>
-              </a:ln>
-              <a:solidFill>
-                <a:schemeClr val="accent4">
-                  <a:lumMod val="60000"/>
-                  <a:lumOff val="40000"/>
-                </a:schemeClr>
-              </a:solidFill>
-              <a:effectLst>
-                <a:reflection blurRad="6350" stA="55000" endA="300" endPos="45500" dir="5400000" sy="-100000" algn="bl" rotWithShape="0"/>
-              </a:effectLst>
-            </a:endParaRPr>
           </a:p>
         </p:txBody>
       </p:sp>
@@ -3111,7 +2796,7 @@
               <a:buNone/>
             </a:pPr>
             <a:r>
-              <a:rPr lang="en-US" sz="7600" b="1" spc="150" noProof="0" dirty="0" smtClean="0">
+              <a:rPr lang="en-US" sz="7600" b="1" spc="150" noProof="0" dirty="0">
                 <a:ln w="11430"/>
                 <a:solidFill>
                   <a:schemeClr val="tx1">
@@ -3182,10 +2867,9 @@
           <a:p>
             <a:pPr lvl="0"/>
             <a:r>
-              <a:rPr lang="en-US" dirty="0" smtClean="0"/>
+              <a:rPr lang="en-US" dirty="0"/>
               <a:t>Course web site URL</a:t>
             </a:r>
-            <a:endParaRPr lang="en-US" dirty="0"/>
           </a:p>
         </p:txBody>
       </p:sp>
@@ -3199,13 +2883,6 @@
   <p:clrMapOvr>
     <a:masterClrMapping/>
   </p:clrMapOvr>
-  <p:timing>
-    <p:tnLst>
-      <p:par>
-        <p:cTn id="1" dur="indefinite" restart="never" nodeType="tmRoot"/>
-      </p:par>
-    </p:tnLst>
-  </p:timing>
 </p:sldLayout>
 </file>
 
@@ -3284,7 +2961,7 @@
             <a:p>
               <a:pPr lvl="0"/>
               <a:r>
-                <a:rPr lang="bg-BG" sz="200" noProof="1" smtClean="0">
+                <a:rPr lang="bg-BG" sz="200" noProof="1">
                   <a:ln w="0">
                     <a:noFill/>
                   </a:ln>
@@ -3295,15 +2972,6 @@
                 </a:rPr>
                 <a:t>форум програмиране, форум уеб дизайн</a:t>
               </a:r>
-              <a:endParaRPr lang="bg-BG" sz="200" noProof="1">
-                <a:ln w="0">
-                  <a:noFill/>
-                </a:ln>
-                <a:solidFill>
-                  <a:schemeClr val="bg1"/>
-                </a:solidFill>
-                <a:effectLst/>
-              </a:endParaRPr>
             </a:p>
           </p:txBody>
         </p:sp>
@@ -3337,7 +3005,7 @@
                 </a:lnSpc>
               </a:pPr>
               <a:r>
-                <a:rPr lang="bg-BG" sz="200" kern="1200" noProof="1" smtClean="0">
+                <a:rPr lang="bg-BG" sz="200" kern="1200" noProof="1">
                   <a:ln w="0">
                     <a:noFill/>
                   </a:ln>
@@ -3351,18 +3019,6 @@
                 </a:rPr>
                 <a:t>курсове и уроци по програмиране, уеб дизайн – безплатно</a:t>
               </a:r>
-              <a:endParaRPr lang="bg-BG" sz="200" kern="1200" noProof="1">
-                <a:ln w="0">
-                  <a:noFill/>
-                </a:ln>
-                <a:solidFill>
-                  <a:schemeClr val="bg1"/>
-                </a:solidFill>
-                <a:effectLst/>
-                <a:latin typeface="Corbel" pitchFamily="34" charset="0"/>
-                <a:ea typeface="+mn-ea"/>
-                <a:cs typeface="+mn-cs"/>
-              </a:endParaRPr>
             </a:p>
           </p:txBody>
         </p:sp>
@@ -3391,7 +3047,7 @@
             <a:lstStyle/>
             <a:p>
               <a:r>
-                <a:rPr lang="bg-BG" sz="200" kern="1200" noProof="1" smtClean="0">
+                <a:rPr lang="bg-BG" sz="200" kern="1200" noProof="1">
                   <a:ln w="0">
                     <a:noFill/>
                   </a:ln>
@@ -3405,18 +3061,6 @@
                 </a:rPr>
                 <a:t>програмиране за деца – безплатни курсове и уроци</a:t>
               </a:r>
-              <a:endParaRPr lang="bg-BG" sz="200" kern="1200" noProof="1">
-                <a:ln w="0">
-                  <a:noFill/>
-                </a:ln>
-                <a:solidFill>
-                  <a:schemeClr val="bg1"/>
-                </a:solidFill>
-                <a:effectLst/>
-                <a:latin typeface="Corbel" pitchFamily="34" charset="0"/>
-                <a:ea typeface="+mn-ea"/>
-                <a:cs typeface="+mn-cs"/>
-              </a:endParaRPr>
             </a:p>
           </p:txBody>
         </p:sp>
@@ -3453,7 +3097,7 @@
             <a:p>
               <a:pPr lvl="0" algn="l"/>
               <a:r>
-                <a:rPr lang="bg-BG" sz="200" noProof="1" smtClean="0">
+                <a:rPr lang="bg-BG" sz="200" noProof="1">
                   <a:ln w="0">
                     <a:noFill/>
                   </a:ln>
@@ -3464,15 +3108,6 @@
                 </a:rPr>
                 <a:t>безплатен SEO курс - оптимизация за търсачки</a:t>
               </a:r>
-              <a:endParaRPr lang="bg-BG" sz="200" noProof="1">
-                <a:ln w="0">
-                  <a:noFill/>
-                </a:ln>
-                <a:solidFill>
-                  <a:schemeClr val="bg1"/>
-                </a:solidFill>
-                <a:effectLst/>
-              </a:endParaRPr>
             </a:p>
           </p:txBody>
         </p:sp>
@@ -3509,7 +3144,7 @@
             <a:p>
               <a:pPr lvl="0"/>
               <a:r>
-                <a:rPr lang="bg-BG" sz="200" noProof="1" smtClean="0">
+                <a:rPr lang="bg-BG" sz="200" noProof="1">
                   <a:ln w="0">
                     <a:noFill/>
                   </a:ln>
@@ -3520,15 +3155,6 @@
                 </a:rPr>
                 <a:t>уроци по уеб дизайн, HTML, CSS, JavaScript, Photoshop</a:t>
               </a:r>
-              <a:endParaRPr lang="bg-BG" sz="200" noProof="1">
-                <a:ln w="0">
-                  <a:noFill/>
-                </a:ln>
-                <a:solidFill>
-                  <a:schemeClr val="bg1"/>
-                </a:solidFill>
-                <a:effectLst/>
-              </a:endParaRPr>
             </a:p>
           </p:txBody>
         </p:sp>
@@ -3558,7 +3184,7 @@
             <a:p>
               <a:pPr algn="l"/>
               <a:r>
-                <a:rPr lang="bg-BG" sz="200" kern="1200" noProof="1" smtClean="0">
+                <a:rPr lang="bg-BG" sz="200" kern="1200" noProof="1">
                   <a:ln w="0">
                     <a:noFill/>
                   </a:ln>
@@ -3572,18 +3198,6 @@
                 </a:rPr>
                 <a:t>уроци по програмиране и уеб дизайн за ученици</a:t>
               </a:r>
-              <a:endParaRPr lang="bg-BG" sz="200" kern="1200" noProof="1">
-                <a:ln w="0">
-                  <a:noFill/>
-                </a:ln>
-                <a:solidFill>
-                  <a:schemeClr val="bg1"/>
-                </a:solidFill>
-                <a:effectLst/>
-                <a:latin typeface="Corbel" pitchFamily="34" charset="0"/>
-                <a:ea typeface="+mn-ea"/>
-                <a:cs typeface="+mn-cs"/>
-              </a:endParaRPr>
             </a:p>
           </p:txBody>
         </p:sp>
@@ -3620,7 +3234,7 @@
             <a:p>
               <a:pPr lvl="0"/>
               <a:r>
-                <a:rPr lang="bg-BG" sz="200" noProof="1" smtClean="0">
+                <a:rPr lang="bg-BG" sz="200" noProof="1">
                   <a:ln w="0">
                     <a:noFill/>
                   </a:ln>
@@ -3631,15 +3245,6 @@
                 </a:rPr>
                 <a:t>ASP.NET MVC курс – HTML, SQL, C#, .NET, ASP.NET MVC</a:t>
               </a:r>
-              <a:endParaRPr lang="bg-BG" sz="200" noProof="1">
-                <a:ln w="0">
-                  <a:noFill/>
-                </a:ln>
-                <a:solidFill>
-                  <a:schemeClr val="bg1"/>
-                </a:solidFill>
-                <a:effectLst/>
-              </a:endParaRPr>
             </a:p>
           </p:txBody>
         </p:sp>
@@ -3668,7 +3273,7 @@
             <a:lstStyle/>
             <a:p>
               <a:r>
-                <a:rPr lang="bg-BG" sz="200" kern="1200" noProof="1" smtClean="0">
+                <a:rPr lang="bg-BG" sz="200" kern="1200" noProof="1">
                   <a:ln w="0">
                     <a:noFill/>
                   </a:ln>
@@ -3682,18 +3287,6 @@
                 </a:rPr>
                 <a:t>безплатен курс "Разработка на софтуер в cloud среда"</a:t>
               </a:r>
-              <a:endParaRPr lang="bg-BG" sz="200" kern="1200" noProof="1">
-                <a:ln w="0">
-                  <a:noFill/>
-                </a:ln>
-                <a:solidFill>
-                  <a:schemeClr val="bg1"/>
-                </a:solidFill>
-                <a:effectLst/>
-                <a:latin typeface="Corbel" pitchFamily="34" charset="0"/>
-                <a:ea typeface="+mn-ea"/>
-                <a:cs typeface="+mn-cs"/>
-              </a:endParaRPr>
             </a:p>
           </p:txBody>
         </p:sp>
@@ -3730,7 +3323,7 @@
             <a:p>
               <a:pPr lvl="0"/>
               <a:r>
-                <a:rPr lang="bg-BG" sz="200" noProof="1" smtClean="0">
+                <a:rPr lang="bg-BG" sz="200" noProof="1">
                   <a:ln w="0">
                     <a:noFill/>
                   </a:ln>
@@ -3741,15 +3334,6 @@
                 </a:rPr>
                 <a:t>BG Coder - онлайн състезателна система - online judge</a:t>
               </a:r>
-              <a:endParaRPr lang="bg-BG" sz="200" noProof="1">
-                <a:ln w="0">
-                  <a:noFill/>
-                </a:ln>
-                <a:solidFill>
-                  <a:schemeClr val="bg1"/>
-                </a:solidFill>
-                <a:effectLst/>
-              </a:endParaRPr>
             </a:p>
           </p:txBody>
         </p:sp>
@@ -3786,7 +3370,7 @@
             <a:p>
               <a:pPr lvl="0"/>
               <a:r>
-                <a:rPr lang="bg-BG" sz="200" noProof="1" smtClean="0">
+                <a:rPr lang="bg-BG" sz="200" noProof="1">
                   <a:ln w="0">
                     <a:noFill/>
                   </a:ln>
@@ -3797,15 +3381,6 @@
                 </a:rPr>
                 <a:t>курсове и уроци по програмиране, книги – безплатно от Наков</a:t>
               </a:r>
-              <a:endParaRPr lang="bg-BG" sz="200" noProof="1">
-                <a:ln w="0">
-                  <a:noFill/>
-                </a:ln>
-                <a:solidFill>
-                  <a:schemeClr val="bg1"/>
-                </a:solidFill>
-                <a:effectLst/>
-              </a:endParaRPr>
             </a:p>
           </p:txBody>
         </p:sp>
@@ -3834,7 +3409,7 @@
             <a:lstStyle/>
             <a:p>
               <a:r>
-                <a:rPr lang="bg-BG" sz="200" kern="1200" noProof="1" smtClean="0">
+                <a:rPr lang="bg-BG" sz="200" kern="1200" noProof="1">
                   <a:ln w="0">
                     <a:noFill/>
                   </a:ln>
@@ -3848,18 +3423,6 @@
                 </a:rPr>
                 <a:t>безплатен курс "Качествен програмен код"</a:t>
               </a:r>
-              <a:endParaRPr lang="bg-BG" sz="200" kern="1200" noProof="1">
-                <a:ln w="0">
-                  <a:noFill/>
-                </a:ln>
-                <a:solidFill>
-                  <a:schemeClr val="bg1"/>
-                </a:solidFill>
-                <a:effectLst/>
-                <a:latin typeface="Corbel" pitchFamily="34" charset="0"/>
-                <a:ea typeface="+mn-ea"/>
-                <a:cs typeface="+mn-cs"/>
-              </a:endParaRPr>
             </a:p>
           </p:txBody>
         </p:sp>
@@ -3896,7 +3459,7 @@
             <a:p>
               <a:pPr lvl="0"/>
               <a:r>
-                <a:rPr lang="bg-BG" sz="200" noProof="1" smtClean="0">
+                <a:rPr lang="bg-BG" sz="200" noProof="1">
                   <a:ln w="0">
                     <a:noFill/>
                   </a:ln>
@@ -3907,15 +3470,6 @@
                 </a:rPr>
                 <a:t>алго академия – състезателно програмиране, състезания</a:t>
               </a:r>
-              <a:endParaRPr lang="bg-BG" sz="200" noProof="1">
-                <a:ln w="0">
-                  <a:noFill/>
-                </a:ln>
-                <a:solidFill>
-                  <a:schemeClr val="bg1"/>
-                </a:solidFill>
-                <a:effectLst/>
-              </a:endParaRPr>
             </a:p>
           </p:txBody>
         </p:sp>
@@ -3952,7 +3506,7 @@
             <a:p>
               <a:pPr lvl="0"/>
               <a:r>
-                <a:rPr lang="bg-BG" sz="200" noProof="1" smtClean="0">
+                <a:rPr lang="bg-BG" sz="200" noProof="1">
                   <a:ln w="0">
                     <a:noFill/>
                   </a:ln>
@@ -3963,15 +3517,6 @@
                 </a:rPr>
                 <a:t>ASP.NET курс - уеб програмиране, бази данни, C#, .NET, ASP.NET</a:t>
               </a:r>
-              <a:endParaRPr lang="bg-BG" sz="200" noProof="1">
-                <a:ln w="0">
-                  <a:noFill/>
-                </a:ln>
-                <a:solidFill>
-                  <a:schemeClr val="bg1"/>
-                </a:solidFill>
-                <a:effectLst/>
-              </a:endParaRPr>
             </a:p>
           </p:txBody>
         </p:sp>
@@ -4008,7 +3553,7 @@
             <a:p>
               <a:pPr lvl="0" algn="l"/>
               <a:r>
-                <a:rPr lang="bg-BG" sz="200" noProof="1" smtClean="0">
+                <a:rPr lang="bg-BG" sz="200" noProof="1">
                   <a:ln w="0">
                     <a:noFill/>
                   </a:ln>
@@ -4020,7 +3565,7 @@
                 <a:t>курсове и уроци по </a:t>
               </a:r>
               <a:r>
-                <a:rPr lang="bg-BG" sz="200" kern="1200" noProof="1" smtClean="0">
+                <a:rPr lang="bg-BG" sz="200" kern="1200" noProof="1">
                   <a:ln w="0">
                     <a:noFill/>
                   </a:ln>
@@ -4034,18 +3579,6 @@
                 </a:rPr>
                 <a:t>програмиране – Телерик академия</a:t>
               </a:r>
-              <a:endParaRPr lang="bg-BG" sz="200" kern="1200" noProof="1">
-                <a:ln w="0">
-                  <a:noFill/>
-                </a:ln>
-                <a:solidFill>
-                  <a:schemeClr val="bg1"/>
-                </a:solidFill>
-                <a:effectLst/>
-                <a:latin typeface="Corbel" pitchFamily="34" charset="0"/>
-                <a:ea typeface="+mn-ea"/>
-                <a:cs typeface="+mn-cs"/>
-              </a:endParaRPr>
             </a:p>
           </p:txBody>
         </p:sp>
@@ -4082,7 +3615,7 @@
             <a:p>
               <a:pPr lvl="0"/>
               <a:r>
-                <a:rPr lang="bg-BG" sz="200" noProof="1" smtClean="0">
+                <a:rPr lang="bg-BG" sz="200" noProof="1">
                   <a:ln w="0">
                     <a:noFill/>
                   </a:ln>
@@ -4093,15 +3626,6 @@
                 </a:rPr>
                 <a:t>курс мобилни приложения с iPhone, Android, WP7, PhoneGap</a:t>
               </a:r>
-              <a:endParaRPr lang="bg-BG" sz="200" noProof="1">
-                <a:ln w="0">
-                  <a:noFill/>
-                </a:ln>
-                <a:solidFill>
-                  <a:schemeClr val="bg1"/>
-                </a:solidFill>
-                <a:effectLst/>
-              </a:endParaRPr>
             </a:p>
           </p:txBody>
         </p:sp>
@@ -4130,7 +3654,7 @@
             <a:lstStyle/>
             <a:p>
               <a:r>
-                <a:rPr lang="bg-BG" sz="200" kern="1200" noProof="1" smtClean="0">
+                <a:rPr lang="bg-BG" sz="200" kern="1200" noProof="1">
                   <a:ln w="0">
                     <a:noFill/>
                   </a:ln>
@@ -4144,18 +3668,6 @@
                 </a:rPr>
                 <a:t>free C# book, безплатна книга C#, книга Java, книга C#</a:t>
               </a:r>
-              <a:endParaRPr lang="bg-BG" sz="200" kern="1200" noProof="1">
-                <a:ln w="0">
-                  <a:noFill/>
-                </a:ln>
-                <a:solidFill>
-                  <a:schemeClr val="bg1"/>
-                </a:solidFill>
-                <a:effectLst/>
-                <a:latin typeface="Corbel" pitchFamily="34" charset="0"/>
-                <a:ea typeface="+mn-ea"/>
-                <a:cs typeface="+mn-cs"/>
-              </a:endParaRPr>
             </a:p>
           </p:txBody>
         </p:sp>
@@ -4199,7 +3711,7 @@
             <a:p>
               <a:pPr lvl="0"/>
               <a:r>
-                <a:rPr lang="bg-BG" sz="200" noProof="1" smtClean="0">
+                <a:rPr lang="bg-BG" sz="200" noProof="1">
                   <a:ln w="0">
                     <a:noFill/>
                   </a:ln>
@@ -4209,14 +3721,6 @@
                 </a:rPr>
                 <a:t>Дончо Минков - сайт за програмиране</a:t>
               </a:r>
-              <a:endParaRPr lang="bg-BG" sz="200" noProof="1">
-                <a:ln w="0">
-                  <a:noFill/>
-                </a:ln>
-                <a:solidFill>
-                  <a:schemeClr val="bg1"/>
-                </a:solidFill>
-              </a:endParaRPr>
             </a:p>
           </p:txBody>
         </p:sp>
@@ -4246,7 +3750,7 @@
             <a:p>
               <a:pPr algn="l"/>
               <a:r>
-                <a:rPr lang="bg-BG" sz="200" kern="1200" noProof="1" smtClean="0">
+                <a:rPr lang="bg-BG" sz="200" kern="1200" noProof="1">
                   <a:ln w="0">
                     <a:noFill/>
                   </a:ln>
@@ -4260,18 +3764,6 @@
                 </a:rPr>
                 <a:t>Николай Костов - блог за програмиране</a:t>
               </a:r>
-              <a:endParaRPr lang="bg-BG" sz="200" kern="1200" noProof="1">
-                <a:ln w="0">
-                  <a:noFill/>
-                </a:ln>
-                <a:solidFill>
-                  <a:schemeClr val="bg1"/>
-                </a:solidFill>
-                <a:effectLst/>
-                <a:latin typeface="Corbel" pitchFamily="34" charset="0"/>
-                <a:ea typeface="+mn-ea"/>
-                <a:cs typeface="+mn-cs"/>
-              </a:endParaRPr>
             </a:p>
           </p:txBody>
         </p:sp>
@@ -4315,7 +3807,7 @@
             <a:p>
               <a:pPr lvl="0"/>
               <a:r>
-                <a:rPr lang="bg-BG" sz="200" noProof="1" smtClean="0">
+                <a:rPr lang="bg-BG" sz="200" noProof="1">
                   <a:ln w="0">
                     <a:noFill/>
                   </a:ln>
@@ -4325,14 +3817,6 @@
                 </a:rPr>
                 <a:t>C# курс, програмиране, безплатно</a:t>
               </a:r>
-              <a:endParaRPr lang="bg-BG" sz="200" noProof="1">
-                <a:ln w="0">
-                  <a:noFill/>
-                </a:ln>
-                <a:solidFill>
-                  <a:schemeClr val="bg1"/>
-                </a:solidFill>
-              </a:endParaRPr>
             </a:p>
           </p:txBody>
         </p:sp>
@@ -4579,13 +4063,6 @@
     <p:sldLayoutId id="2147483664" r:id="rId4"/>
     <p:sldLayoutId id="2147483665" r:id="rId5"/>
   </p:sldLayoutIdLst>
-  <p:timing>
-    <p:tnLst>
-      <p:par>
-        <p:cTn id="1" dur="indefinite" restart="never" nodeType="tmRoot"/>
-      </p:par>
-    </p:tnLst>
-  </p:timing>
   <p:txStyles>
     <p:titleStyle>
       <a:lvl1pPr algn="r" rtl="0" eaLnBrk="1" fontAlgn="base" hangingPunct="1">
@@ -5644,16 +5121,15 @@
           </a:lstStyle>
           <a:p>
             <a:r>
-              <a:rPr lang="en-US" dirty="0" smtClean="0">
+              <a:rPr lang="en-US" dirty="0">
                 <a:hlinkClick r:id="rId2"/>
               </a:rPr>
               <a:t>http://academy.telerik.com</a:t>
             </a:r>
             <a:r>
-              <a:rPr lang="en-US" dirty="0" smtClean="0"/>
+              <a:rPr lang="en-US" dirty="0"/>
               <a:t> </a:t>
             </a:r>
-            <a:endParaRPr lang="en-US" dirty="0"/>
           </a:p>
         </p:txBody>
       </p:sp>
@@ -5918,10 +5394,9 @@
           </a:lstStyle>
           <a:p>
             <a:r>
-              <a:rPr lang="en-US" dirty="0" smtClean="0"/>
+              <a:rPr lang="en-US" dirty="0"/>
               <a:t>Web Services and Cloud</a:t>
             </a:r>
-            <a:endParaRPr lang="en-US" dirty="0"/>
           </a:p>
         </p:txBody>
       </p:sp>
@@ -5963,13 +5438,6 @@
   <p:clrMapOvr>
     <a:masterClrMapping/>
   </p:clrMapOvr>
-  <p:timing>
-    <p:tnLst>
-      <p:par>
-        <p:cTn id="1" dur="indefinite" restart="never" nodeType="tmRoot"/>
-      </p:par>
-    </p:tnLst>
-  </p:timing>
 </p:sld>
 </file>
 
@@ -6011,17 +5479,16 @@
           <a:lstStyle/>
           <a:p>
             <a:r>
-              <a:rPr lang="en-US" dirty="0" smtClean="0"/>
+              <a:rPr lang="en-US" dirty="0"/>
               <a:t>Repository Pattern </a:t>
             </a:r>
             <a:br>
-              <a:rPr lang="en-US" dirty="0" smtClean="0"/>
+              <a:rPr lang="en-US" dirty="0"/>
             </a:br>
             <a:r>
-              <a:rPr lang="en-US" dirty="0" smtClean="0"/>
+              <a:rPr lang="en-US" dirty="0"/>
               <a:t>in WebAPI</a:t>
             </a:r>
-            <a:endParaRPr lang="en-US" dirty="0"/>
           </a:p>
         </p:txBody>
       </p:sp>
@@ -6041,22 +5508,22 @@
           <a:lstStyle/>
           <a:p>
             <a:r>
-              <a:rPr lang="en-US" dirty="0" smtClean="0"/>
+              <a:rPr lang="en-US" dirty="0"/>
               <a:t>To use the repository pattern in WebAPI just create an instance of the </a:t>
             </a:r>
             <a:r>
-              <a:rPr lang="en-US" dirty="0" err="1" smtClean="0"/>
+              <a:rPr lang="en-US" dirty="0" err="1"/>
               <a:t>IRepository</a:t>
             </a:r>
             <a:r>
-              <a:rPr lang="en-US" dirty="0" smtClean="0"/>
+              <a:rPr lang="en-US" dirty="0"/>
               <a:t>&lt;T&gt; interface inside the controller</a:t>
             </a:r>
           </a:p>
           <a:p>
             <a:pPr lvl="1"/>
             <a:r>
-              <a:rPr lang="en-US" dirty="0" smtClean="0"/>
+              <a:rPr lang="en-US" dirty="0"/>
               <a:t>And use the repository to interact with the DB</a:t>
             </a:r>
           </a:p>
@@ -6105,60 +5572,42 @@
           </a:p>
           <a:p>
             <a:r>
-              <a:rPr lang="en-US" dirty="0" smtClean="0"/>
+              <a:rPr lang="en-US" dirty="0"/>
               <a:t>{</a:t>
             </a:r>
-            <a:endParaRPr lang="en-US" dirty="0"/>
-          </a:p>
-          <a:p>
-            <a:r>
-              <a:rPr lang="en-US" dirty="0" smtClean="0"/>
+          </a:p>
+          <a:p>
+            <a:r>
+              <a:rPr lang="en-US" dirty="0"/>
               <a:t>  private </a:t>
             </a:r>
             <a:r>
-              <a:rPr lang="en-US" dirty="0" err="1" smtClean="0"/>
+              <a:rPr lang="en-US" dirty="0" err="1"/>
               <a:t>IPlacesRepository</a:t>
             </a:r>
             <a:r>
-              <a:rPr lang="en-US" dirty="0" smtClean="0"/>
-              <a:t> </a:t>
-            </a:r>
-            <a:r>
-              <a:rPr lang="en-US" dirty="0"/>
-              <a:t>repository</a:t>
-            </a:r>
-            <a:r>
-              <a:rPr lang="en-US" dirty="0" smtClean="0"/>
-              <a:t>;</a:t>
-            </a:r>
-            <a:endParaRPr lang="en-US" dirty="0"/>
-          </a:p>
-          <a:p>
-            <a:r>
-              <a:rPr lang="en-US" dirty="0" smtClean="0"/>
-              <a:t>  </a:t>
-            </a:r>
-            <a:r>
-              <a:rPr lang="en-US" dirty="0"/>
-              <a:t>public </a:t>
+              <a:rPr lang="en-US" dirty="0"/>
+              <a:t> repository;</a:t>
+            </a:r>
+          </a:p>
+          <a:p>
+            <a:r>
+              <a:rPr lang="en-US" dirty="0"/>
+              <a:t>  public </a:t>
             </a:r>
             <a:r>
               <a:rPr lang="en-US" dirty="0" err="1"/>
               <a:t>PlacesController</a:t>
             </a:r>
             <a:r>
-              <a:rPr lang="en-US" dirty="0" smtClean="0"/>
+              <a:rPr lang="en-US" dirty="0"/>
               <a:t>()</a:t>
             </a:r>
           </a:p>
           <a:p>
             <a:r>
               <a:rPr lang="en-US" dirty="0"/>
-              <a:t> </a:t>
-            </a:r>
-            <a:r>
-              <a:rPr lang="en-US" dirty="0" smtClean="0"/>
-              <a:t> {</a:t>
+              <a:t>  {</a:t>
             </a:r>
           </a:p>
           <a:p>
@@ -6169,14 +5618,10 @@
             </a:pPr>
             <a:r>
               <a:rPr lang="en-US" dirty="0"/>
-              <a:t> </a:t>
-            </a:r>
-            <a:r>
-              <a:rPr lang="en-US" dirty="0" smtClean="0"/>
-              <a:t>   </a:t>
-            </a:r>
-            <a:r>
-              <a:rPr lang="en-US" dirty="0" err="1" smtClean="0">
+              <a:t>    </a:t>
+            </a:r>
+            <a:r>
+              <a:rPr lang="en-US" dirty="0" err="1">
                 <a:solidFill>
                   <a:schemeClr val="tx1">
                     <a:lumMod val="20000"/>
@@ -6187,7 +5632,7 @@
               <a:t>this.repository</a:t>
             </a:r>
             <a:r>
-              <a:rPr lang="en-US" dirty="0" smtClean="0">
+              <a:rPr lang="en-US" dirty="0">
                 <a:solidFill>
                   <a:schemeClr val="tx1">
                     <a:lumMod val="20000"/>
@@ -6205,52 +5650,44 @@
               </a:lnSpc>
             </a:pPr>
             <a:r>
-              <a:rPr lang="en-US" dirty="0" smtClean="0"/>
+              <a:rPr lang="en-US" dirty="0"/>
               <a:t>  }  </a:t>
             </a:r>
           </a:p>
           <a:p>
             <a:r>
               <a:rPr lang="en-US" dirty="0"/>
-              <a:t>  </a:t>
-            </a:r>
-            <a:r>
-              <a:rPr lang="en-US" dirty="0" smtClean="0"/>
-              <a:t>public </a:t>
-            </a:r>
-            <a:r>
-              <a:rPr lang="en-US" dirty="0" err="1" smtClean="0"/>
+              <a:t>  public </a:t>
+            </a:r>
+            <a:r>
+              <a:rPr lang="en-US" dirty="0" err="1"/>
               <a:t>IEnumerable</a:t>
             </a:r>
             <a:r>
-              <a:rPr lang="en-US" dirty="0" smtClean="0"/>
+              <a:rPr lang="en-US" dirty="0"/>
               <a:t>&lt;</a:t>
             </a:r>
             <a:r>
-              <a:rPr lang="en-US" dirty="0" err="1" smtClean="0"/>
+              <a:rPr lang="en-US" dirty="0" err="1"/>
               <a:t>PlaceDto</a:t>
             </a:r>
             <a:r>
-              <a:rPr lang="en-US" dirty="0" smtClean="0"/>
+              <a:rPr lang="en-US" dirty="0"/>
               <a:t>&gt; </a:t>
             </a:r>
             <a:r>
-              <a:rPr lang="en-US" dirty="0" err="1" smtClean="0"/>
+              <a:rPr lang="en-US" dirty="0" err="1"/>
               <a:t>GetAll</a:t>
             </a:r>
             <a:r>
-              <a:rPr lang="en-US" dirty="0" smtClean="0"/>
+              <a:rPr lang="en-US" dirty="0"/>
               <a:t>()</a:t>
             </a:r>
           </a:p>
           <a:p>
             <a:r>
               <a:rPr lang="en-US" dirty="0"/>
-              <a:t> </a:t>
-            </a:r>
-            <a:r>
-              <a:rPr lang="en-US" dirty="0" smtClean="0"/>
-              <a:t> {</a:t>
+              <a:t>  {</a:t>
             </a:r>
           </a:p>
           <a:p>
@@ -6261,14 +5698,10 @@
             </a:pPr>
             <a:r>
               <a:rPr lang="en-US" dirty="0"/>
-              <a:t> </a:t>
-            </a:r>
-            <a:r>
-              <a:rPr lang="en-US" dirty="0" smtClean="0"/>
-              <a:t>   return </a:t>
-            </a:r>
-            <a:r>
-              <a:rPr lang="en-US" dirty="0" err="1" smtClean="0">
+              <a:t>    return </a:t>
+            </a:r>
+            <a:r>
+              <a:rPr lang="en-US" dirty="0" err="1">
                 <a:solidFill>
                   <a:schemeClr val="tx1">
                     <a:lumMod val="20000"/>
@@ -6279,7 +5712,7 @@
               <a:t>this.repository.GetAll</a:t>
             </a:r>
             <a:r>
-              <a:rPr lang="en-US" dirty="0" smtClean="0">
+              <a:rPr lang="en-US" dirty="0">
                 <a:solidFill>
                   <a:schemeClr val="tx1">
                     <a:lumMod val="20000"/>
@@ -6298,11 +5731,7 @@
             </a:pPr>
             <a:r>
               <a:rPr lang="en-US" dirty="0"/>
-              <a:t> </a:t>
-            </a:r>
-            <a:r>
-              <a:rPr lang="en-US" dirty="0" smtClean="0"/>
-              <a:t> }</a:t>
+              <a:t>  }</a:t>
             </a:r>
           </a:p>
           <a:p>
@@ -6364,17 +5793,16 @@
           <a:lstStyle/>
           <a:p>
             <a:r>
-              <a:rPr lang="en-US" dirty="0" smtClean="0"/>
+              <a:rPr lang="en-US" dirty="0"/>
               <a:t>Repository Pattern </a:t>
             </a:r>
             <a:br>
-              <a:rPr lang="en-US" dirty="0" smtClean="0"/>
+              <a:rPr lang="en-US" dirty="0"/>
             </a:br>
             <a:r>
-              <a:rPr lang="en-US" dirty="0" smtClean="0"/>
+              <a:rPr lang="en-US" dirty="0"/>
               <a:t>in WebAPI (2)</a:t>
             </a:r>
-            <a:endParaRPr lang="en-US" dirty="0"/>
           </a:p>
         </p:txBody>
       </p:sp>
@@ -6399,25 +5827,25 @@
           <a:lstStyle/>
           <a:p>
             <a:r>
-              <a:rPr lang="en-US" dirty="0" smtClean="0"/>
+              <a:rPr lang="en-US" dirty="0"/>
               <a:t>Yet in the example the controller instantiates the repository</a:t>
             </a:r>
           </a:p>
           <a:p>
             <a:pPr lvl="1"/>
             <a:r>
-              <a:rPr lang="en-US" dirty="0" smtClean="0"/>
+              <a:rPr lang="en-US" dirty="0"/>
               <a:t>The controller is tightly coupled with the DbPlacesRepository class</a:t>
             </a:r>
           </a:p>
           <a:p>
             <a:pPr lvl="1"/>
             <a:r>
-              <a:rPr lang="en-US" dirty="0" smtClean="0"/>
+              <a:rPr lang="en-US" dirty="0"/>
               <a:t>This can be fixed using </a:t>
             </a:r>
             <a:r>
-              <a:rPr lang="en-US" dirty="0" smtClean="0">
+              <a:rPr lang="en-US" dirty="0">
                 <a:solidFill>
                   <a:schemeClr val="accent5">
                     <a:lumMod val="20000"/>
@@ -6428,12 +5856,8 @@
               <a:t>Inversion of Control</a:t>
             </a:r>
             <a:r>
-              <a:rPr lang="en-US" dirty="0" smtClean="0"/>
-              <a:t> and </a:t>
-            </a:r>
-            <a:r>
-              <a:rPr lang="en-US" dirty="0"/>
-              <a:t>Dependency Injection </a:t>
+              <a:rPr lang="en-US" dirty="0"/>
+              <a:t> and Dependency Injection </a:t>
             </a:r>
           </a:p>
         </p:txBody>
@@ -6511,10 +5935,9 @@
           <a:lstStyle/>
           <a:p>
             <a:r>
-              <a:rPr lang="en-US" dirty="0" smtClean="0"/>
+              <a:rPr lang="en-US" dirty="0"/>
               <a:t>Live Demo</a:t>
             </a:r>
-            <a:endParaRPr lang="en-US" dirty="0"/>
           </a:p>
         </p:txBody>
       </p:sp>
@@ -6564,10 +5987,9 @@
           <a:lstStyle/>
           <a:p>
             <a:r>
-              <a:rPr lang="en-US" dirty="0" smtClean="0"/>
+              <a:rPr lang="en-US" dirty="0"/>
               <a:t>Inversion of Control (IoC)</a:t>
             </a:r>
-            <a:endParaRPr lang="en-US" dirty="0"/>
           </a:p>
         </p:txBody>
       </p:sp>
@@ -6600,13 +6022,6 @@
   <p:clrMapOvr>
     <a:masterClrMapping/>
   </p:clrMapOvr>
-  <p:timing>
-    <p:tnLst>
-      <p:par>
-        <p:cTn id="1" dur="indefinite" restart="never" nodeType="tmRoot"/>
-      </p:par>
-    </p:tnLst>
-  </p:timing>
 </p:sld>
 </file>
 
@@ -6643,10 +6058,9 @@
           <a:lstStyle/>
           <a:p>
             <a:r>
-              <a:rPr lang="en-US" dirty="0" smtClean="0"/>
+              <a:rPr lang="en-US" dirty="0"/>
               <a:t>Inversion of Control (IoC)</a:t>
             </a:r>
-            <a:endParaRPr lang="en-US" dirty="0"/>
           </a:p>
         </p:txBody>
       </p:sp>
@@ -6671,44 +6085,44 @@
           <a:lstStyle/>
           <a:p>
             <a:r>
-              <a:rPr lang="en-US" dirty="0" smtClean="0"/>
+              <a:rPr lang="en-US" dirty="0"/>
               <a:t>Inversion of Control is a way to loosen the coupling between components</a:t>
             </a:r>
           </a:p>
           <a:p>
             <a:pPr lvl="1"/>
             <a:r>
-              <a:rPr lang="en-US" dirty="0" smtClean="0"/>
+              <a:rPr lang="en-US" dirty="0"/>
               <a:t>Makes testing easier</a:t>
             </a:r>
           </a:p>
           <a:p>
             <a:pPr lvl="1"/>
             <a:r>
-              <a:rPr lang="en-US" dirty="0" smtClean="0"/>
+              <a:rPr lang="en-US" dirty="0"/>
               <a:t>Makes extensibility easier</a:t>
             </a:r>
           </a:p>
           <a:p>
             <a:r>
-              <a:rPr lang="en-US" dirty="0" smtClean="0"/>
+              <a:rPr lang="en-US" dirty="0"/>
               <a:t>IoC is a technique that allows coupling of objects at run time, instead of compile time</a:t>
             </a:r>
           </a:p>
           <a:p>
             <a:pPr lvl="1"/>
             <a:r>
-              <a:rPr lang="en-US" dirty="0" smtClean="0"/>
+              <a:rPr lang="en-US" dirty="0"/>
               <a:t>IoC gives objects the dependencies they need</a:t>
             </a:r>
           </a:p>
           <a:p>
             <a:r>
-              <a:rPr lang="en-US" dirty="0" smtClean="0"/>
+              <a:rPr lang="en-US" dirty="0"/>
               <a:t>If the controller expects an instance of the </a:t>
             </a:r>
             <a:r>
-              <a:rPr lang="en-US" sz="3000" dirty="0" err="1" smtClean="0">
+              <a:rPr lang="en-US" sz="3000" dirty="0" err="1">
                 <a:solidFill>
                   <a:schemeClr val="accent5">
                     <a:lumMod val="20000"/>
@@ -6721,7 +6135,7 @@
               <a:t>IRepository</a:t>
             </a:r>
             <a:r>
-              <a:rPr lang="en-US" sz="3000" dirty="0" smtClean="0">
+              <a:rPr lang="en-US" sz="3000" dirty="0">
                 <a:solidFill>
                   <a:schemeClr val="accent5">
                     <a:lumMod val="20000"/>
@@ -6734,7 +6148,7 @@
               <a:t>&lt;</a:t>
             </a:r>
             <a:r>
-              <a:rPr lang="en-US" sz="3000" dirty="0" err="1" smtClean="0">
+              <a:rPr lang="en-US" sz="3000" dirty="0" err="1">
                 <a:solidFill>
                   <a:schemeClr val="accent5">
                     <a:lumMod val="20000"/>
@@ -6747,7 +6161,7 @@
               <a:t>PlaceDto</a:t>
             </a:r>
             <a:r>
-              <a:rPr lang="en-US" sz="3000" dirty="0" smtClean="0">
+              <a:rPr lang="en-US" sz="3000" dirty="0">
                 <a:solidFill>
                   <a:schemeClr val="accent5">
                     <a:lumMod val="20000"/>
@@ -6760,7 +6174,7 @@
               <a:t>&gt;</a:t>
             </a:r>
             <a:r>
-              <a:rPr lang="en-US" dirty="0" smtClean="0"/>
+              <a:rPr lang="en-US" dirty="0"/>
               <a:t> interface, the IoC gives it a suitable instance</a:t>
             </a:r>
           </a:p>
@@ -6776,13 +6190,6 @@
   <p:clrMapOvr>
     <a:masterClrMapping/>
   </p:clrMapOvr>
-  <p:timing>
-    <p:tnLst>
-      <p:par>
-        <p:cTn id="1" dur="indefinite" restart="never" nodeType="tmRoot"/>
-      </p:par>
-    </p:tnLst>
-  </p:timing>
 </p:sld>
 </file>
 
@@ -6819,10 +6226,9 @@
           <a:lstStyle/>
           <a:p>
             <a:r>
-              <a:rPr lang="en-US" dirty="0" smtClean="0"/>
+              <a:rPr lang="en-US" dirty="0"/>
               <a:t>IoC Implementations</a:t>
             </a:r>
-            <a:endParaRPr lang="en-US" dirty="0"/>
           </a:p>
         </p:txBody>
       </p:sp>
@@ -6847,58 +6253,57 @@
           <a:lstStyle/>
           <a:p>
             <a:r>
-              <a:rPr lang="en-US" dirty="0" smtClean="0"/>
+              <a:rPr lang="en-US" dirty="0"/>
               <a:t>There are many ways to implement IoC:</a:t>
             </a:r>
           </a:p>
           <a:p>
             <a:pPr lvl="1"/>
             <a:r>
-              <a:rPr lang="en-US" dirty="0" smtClean="0"/>
+              <a:rPr lang="en-US" dirty="0"/>
               <a:t>Factory design pattern</a:t>
             </a:r>
           </a:p>
           <a:p>
             <a:pPr lvl="1"/>
             <a:r>
-              <a:rPr lang="en-US" dirty="0" smtClean="0"/>
+              <a:rPr lang="en-US" dirty="0"/>
               <a:t>Service locator pattern</a:t>
             </a:r>
           </a:p>
           <a:p>
             <a:pPr lvl="1"/>
             <a:r>
-              <a:rPr lang="en-US" dirty="0" smtClean="0"/>
+              <a:rPr lang="en-US" dirty="0"/>
               <a:t>Dependency injection</a:t>
             </a:r>
           </a:p>
           <a:p>
             <a:pPr lvl="1"/>
             <a:r>
-              <a:rPr lang="en-US" dirty="0" smtClean="0"/>
+              <a:rPr lang="en-US" dirty="0"/>
               <a:t>Template method design pattern</a:t>
             </a:r>
           </a:p>
           <a:p>
             <a:pPr lvl="1"/>
             <a:r>
-              <a:rPr lang="en-US" dirty="0" smtClean="0"/>
+              <a:rPr lang="en-US" dirty="0"/>
               <a:t>Strategy design pattern</a:t>
             </a:r>
           </a:p>
           <a:p>
             <a:pPr lvl="1"/>
             <a:r>
-              <a:rPr lang="en-US" dirty="0" smtClean="0"/>
+              <a:rPr lang="en-US" dirty="0"/>
               <a:t>Etc…</a:t>
             </a:r>
           </a:p>
           <a:p>
             <a:r>
-              <a:rPr lang="en-US" dirty="0" smtClean="0"/>
+              <a:rPr lang="en-US" dirty="0"/>
               <a:t>WebAPI has built-in dependency injection for controllers</a:t>
             </a:r>
-            <a:endParaRPr lang="en-US" dirty="0"/>
           </a:p>
         </p:txBody>
       </p:sp>
@@ -6912,13 +6317,6 @@
   <p:clrMapOvr>
     <a:masterClrMapping/>
   </p:clrMapOvr>
-  <p:timing>
-    <p:tnLst>
-      <p:par>
-        <p:cTn id="1" dur="indefinite" restart="never" nodeType="tmRoot"/>
-      </p:par>
-    </p:tnLst>
-  </p:timing>
 </p:sld>
 </file>
 
@@ -6960,10 +6358,9 @@
           <a:lstStyle/>
           <a:p>
             <a:r>
-              <a:rPr lang="en-US" dirty="0" smtClean="0"/>
+              <a:rPr lang="en-US" dirty="0"/>
               <a:t>Dependency Injection</a:t>
             </a:r>
-            <a:endParaRPr lang="en-US" dirty="0"/>
           </a:p>
         </p:txBody>
       </p:sp>
@@ -6988,24 +6385,24 @@
           <a:lstStyle/>
           <a:p>
             <a:r>
-              <a:rPr lang="en-US" dirty="0" smtClean="0"/>
+              <a:rPr lang="en-US" dirty="0"/>
               <a:t>Dependency injection removes the hard-coded dependencies between objects and allows changing them run time</a:t>
             </a:r>
           </a:p>
           <a:p>
             <a:r>
-              <a:rPr lang="en-US" dirty="0" smtClean="0"/>
+              <a:rPr lang="en-US" dirty="0"/>
               <a:t>The primary idea behind DI is selection of single implementation of interface between many present</a:t>
             </a:r>
           </a:p>
           <a:p>
             <a:pPr lvl="1"/>
             <a:r>
-              <a:rPr lang="en-US" dirty="0" smtClean="0"/>
+              <a:rPr lang="en-US" dirty="0"/>
               <a:t>Decide run time which of the many implementations of </a:t>
             </a:r>
             <a:r>
-              <a:rPr lang="en-US" sz="2800" dirty="0" smtClean="0">
+              <a:rPr lang="en-US" sz="2800" dirty="0">
                 <a:solidFill>
                   <a:schemeClr val="accent5">
                     <a:lumMod val="20000"/>
@@ -7018,7 +6415,7 @@
               <a:t>IRepository&lt;</a:t>
             </a:r>
             <a:r>
-              <a:rPr lang="en-US" sz="2800" dirty="0" err="1" smtClean="0">
+              <a:rPr lang="en-US" sz="2800" dirty="0" err="1">
                 <a:solidFill>
                   <a:schemeClr val="accent5">
                     <a:lumMod val="20000"/>
@@ -7031,7 +6428,7 @@
               <a:t>PlaceDto</a:t>
             </a:r>
             <a:r>
-              <a:rPr lang="en-US" sz="2800" dirty="0" smtClean="0">
+              <a:rPr lang="en-US" sz="2800" dirty="0">
                 <a:solidFill>
                   <a:schemeClr val="accent5">
                     <a:lumMod val="20000"/>
@@ -7044,10 +6441,9 @@
               <a:t>&gt;</a:t>
             </a:r>
             <a:r>
-              <a:rPr lang="en-US" dirty="0" smtClean="0"/>
+              <a:rPr lang="en-US" dirty="0"/>
               <a:t> to use for the controller</a:t>
             </a:r>
-            <a:endParaRPr lang="en-US" dirty="0"/>
           </a:p>
         </p:txBody>
       </p:sp>
@@ -7061,13 +6457,6 @@
   <p:clrMapOvr>
     <a:masterClrMapping/>
   </p:clrMapOvr>
-  <p:timing>
-    <p:tnLst>
-      <p:par>
-        <p:cTn id="1" dur="indefinite" restart="never" nodeType="tmRoot"/>
-      </p:par>
-    </p:tnLst>
-  </p:timing>
 </p:sld>
 </file>
 
@@ -7109,17 +6498,16 @@
           <a:lstStyle/>
           <a:p>
             <a:r>
-              <a:rPr lang="en-US" dirty="0" smtClean="0"/>
+              <a:rPr lang="en-US" dirty="0"/>
               <a:t>Dependency Injection </a:t>
             </a:r>
             <a:br>
-              <a:rPr lang="en-US" dirty="0" smtClean="0"/>
+              <a:rPr lang="en-US" dirty="0"/>
             </a:br>
             <a:r>
-              <a:rPr lang="en-US" dirty="0" smtClean="0"/>
+              <a:rPr lang="en-US" dirty="0"/>
               <a:t>in WebAPI</a:t>
             </a:r>
-            <a:endParaRPr lang="en-US" dirty="0"/>
           </a:p>
         </p:txBody>
       </p:sp>
@@ -7144,11 +6532,11 @@
           <a:lstStyle/>
           <a:p>
             <a:r>
-              <a:rPr lang="en-US" dirty="0" smtClean="0"/>
+              <a:rPr lang="en-US" dirty="0"/>
               <a:t>WebAPI has by default a dependency injector for controllers, called </a:t>
             </a:r>
             <a:r>
-              <a:rPr lang="en-US" dirty="0" err="1" smtClean="0">
+              <a:rPr lang="en-US" dirty="0" err="1">
                 <a:solidFill>
                   <a:schemeClr val="accent5">
                     <a:lumMod val="20000"/>
@@ -7160,7 +6548,7 @@
               </a:rPr>
               <a:t>DependencyResolver</a:t>
             </a:r>
-            <a:endParaRPr lang="en-US" dirty="0" smtClean="0">
+            <a:endParaRPr lang="en-US" dirty="0">
               <a:solidFill>
                 <a:schemeClr val="accent5">
                   <a:lumMod val="20000"/>
@@ -7174,11 +6562,11 @@
           <a:p>
             <a:pPr lvl="1"/>
             <a:r>
-              <a:rPr lang="en-US" dirty="0" smtClean="0"/>
+              <a:rPr lang="en-US" dirty="0"/>
               <a:t>Instantiates controllers with their </a:t>
             </a:r>
             <a:r>
-              <a:rPr lang="en-US" dirty="0" smtClean="0">
+              <a:rPr lang="en-US" dirty="0">
                 <a:solidFill>
                   <a:schemeClr val="accent5">
                     <a:lumMod val="20000"/>
@@ -7192,17 +6580,17 @@
           <a:p>
             <a:pPr lvl="1"/>
             <a:r>
-              <a:rPr lang="en-US" dirty="0" smtClean="0"/>
+              <a:rPr lang="en-US" dirty="0"/>
               <a:t>Yet this can be changed to instantiate another constructor </a:t>
             </a:r>
           </a:p>
           <a:p>
             <a:r>
-              <a:rPr lang="en-US" dirty="0" smtClean="0"/>
+              <a:rPr lang="en-US" dirty="0"/>
               <a:t>Each WebAPI application has a </a:t>
             </a:r>
             <a:r>
-              <a:rPr lang="en-US" dirty="0" err="1" smtClean="0">
+              <a:rPr lang="en-US" dirty="0" err="1">
                 <a:solidFill>
                   <a:schemeClr val="accent5">
                     <a:lumMod val="20000"/>
@@ -7213,7 +6601,7 @@
               <a:t>DependecyResolver</a:t>
             </a:r>
             <a:r>
-              <a:rPr lang="en-US" dirty="0" smtClean="0"/>
+              <a:rPr lang="en-US" dirty="0"/>
               <a:t>, deciding how to initialize controllers</a:t>
             </a:r>
           </a:p>
@@ -7233,13 +6621,6 @@
   <p:clrMapOvr>
     <a:masterClrMapping/>
   </p:clrMapOvr>
-  <p:timing>
-    <p:tnLst>
-      <p:par>
-        <p:cTn id="1" dur="indefinite" restart="never" nodeType="tmRoot"/>
-      </p:par>
-    </p:tnLst>
-  </p:timing>
 </p:sld>
 </file>
 
@@ -7276,7 +6657,7 @@
           <a:lstStyle/>
           <a:p>
             <a:r>
-              <a:rPr lang="en-US" dirty="0" err="1" smtClean="0"/>
+              <a:rPr lang="en-US" dirty="0" err="1"/>
               <a:t>DependencyResolver</a:t>
             </a:r>
             <a:endParaRPr lang="en-US" dirty="0"/>
@@ -7304,18 +6685,18 @@
           <a:lstStyle/>
           <a:p>
             <a:r>
-              <a:rPr lang="en-US" dirty="0" smtClean="0"/>
+              <a:rPr lang="en-US" dirty="0"/>
               <a:t>The dependency resolver of a WebAPI app can be changed with a custom implementation</a:t>
             </a:r>
           </a:p>
           <a:p>
             <a:pPr lvl="1"/>
             <a:r>
-              <a:rPr lang="en-US" dirty="0" smtClean="0"/>
+              <a:rPr lang="en-US" dirty="0"/>
               <a:t>Create a class that inherits from </a:t>
             </a:r>
             <a:r>
-              <a:rPr lang="en-US" dirty="0" err="1" smtClean="0">
+              <a:rPr lang="en-US" dirty="0" err="1">
                 <a:solidFill>
                   <a:schemeClr val="accent5">
                     <a:lumMod val="20000"/>
@@ -7328,11 +6709,11 @@
               <a:t>IDependencyResolver</a:t>
             </a:r>
             <a:r>
-              <a:rPr lang="en-US" dirty="0" smtClean="0"/>
+              <a:rPr lang="en-US" dirty="0"/>
               <a:t> and implement its </a:t>
             </a:r>
             <a:r>
-              <a:rPr lang="en-US" dirty="0" err="1" smtClean="0">
+              <a:rPr lang="en-US" dirty="0" err="1">
                 <a:solidFill>
                   <a:schemeClr val="accent5">
                     <a:lumMod val="20000"/>
@@ -7345,7 +6726,7 @@
               <a:t>GetService</a:t>
             </a:r>
             <a:r>
-              <a:rPr lang="en-US" dirty="0" smtClean="0">
+              <a:rPr lang="en-US" dirty="0">
                 <a:solidFill>
                   <a:schemeClr val="accent5">
                     <a:lumMod val="20000"/>
@@ -7358,17 +6739,17 @@
               <a:t>()</a:t>
             </a:r>
             <a:r>
-              <a:rPr lang="en-US" dirty="0" smtClean="0"/>
+              <a:rPr lang="en-US" dirty="0"/>
               <a:t> method:</a:t>
             </a:r>
           </a:p>
           <a:p>
             <a:pPr lvl="2"/>
-            <a:endParaRPr lang="en-US" dirty="0" smtClean="0"/>
+            <a:endParaRPr lang="en-US" dirty="0"/>
           </a:p>
           <a:p>
             <a:pPr lvl="2"/>
-            <a:endParaRPr lang="en-US" dirty="0" smtClean="0"/>
+            <a:endParaRPr lang="en-US" dirty="0"/>
           </a:p>
           <a:p>
             <a:pPr lvl="1"/>
@@ -7405,11 +6786,11 @@
               <a:t>DbDependencyResolver</a:t>
             </a:r>
             <a:r>
-              <a:rPr lang="en-US" sz="1800" dirty="0" smtClean="0"/>
+              <a:rPr lang="en-US" sz="1800" dirty="0"/>
               <a:t>: </a:t>
             </a:r>
             <a:r>
-              <a:rPr lang="en-US" sz="1800" dirty="0" err="1" smtClean="0">
+              <a:rPr lang="en-US" sz="1800" dirty="0" err="1">
                 <a:solidFill>
                   <a:schemeClr val="tx1">
                     <a:lumMod val="20000"/>
@@ -7430,42 +6811,28 @@
           </a:p>
           <a:p>
             <a:r>
-              <a:rPr lang="en-US" sz="1800" dirty="0" smtClean="0"/>
+              <a:rPr lang="en-US" sz="1800" dirty="0"/>
               <a:t>{</a:t>
             </a:r>
-            <a:endParaRPr lang="en-US" sz="1800" dirty="0"/>
-          </a:p>
-          <a:p>
-            <a:r>
-              <a:rPr lang="en-US" sz="1800" dirty="0" smtClean="0"/>
+          </a:p>
+          <a:p>
+            <a:r>
+              <a:rPr lang="en-US" sz="1800" dirty="0"/>
               <a:t>  static IRepository&lt;Place&gt; </a:t>
             </a:r>
             <a:r>
-              <a:rPr lang="en-US" sz="1800" dirty="0" err="1" smtClean="0"/>
+              <a:rPr lang="en-US" sz="1800" dirty="0" err="1"/>
               <a:t>placesRep</a:t>
             </a:r>
             <a:r>
-              <a:rPr lang="en-US" sz="1800" dirty="0" smtClean="0"/>
-              <a:t> </a:t>
-            </a:r>
-            <a:r>
               <a:rPr lang="en-US" sz="1800" dirty="0"/>
-              <a:t>= </a:t>
-            </a:r>
-            <a:r>
-              <a:rPr lang="en-US" sz="1800" dirty="0" smtClean="0"/>
-              <a:t>new DbPlacesRepository();</a:t>
-            </a:r>
-            <a:endParaRPr lang="en-US" sz="1800" dirty="0"/>
-          </a:p>
-          <a:p>
-            <a:r>
-              <a:rPr lang="en-US" sz="1800" dirty="0" smtClean="0"/>
-              <a:t>  public </a:t>
-            </a:r>
+              <a:t> = new DbPlacesRepository();</a:t>
+            </a:r>
+          </a:p>
+          <a:p>
             <a:r>
               <a:rPr lang="en-US" sz="1800" dirty="0"/>
-              <a:t>object </a:t>
+              <a:t>  public object </a:t>
             </a:r>
             <a:r>
               <a:rPr lang="en-US" sz="1800" dirty="0" err="1">
@@ -7493,23 +6860,14 @@
           </a:p>
           <a:p>
             <a:r>
-              <a:rPr lang="en-US" sz="1800" dirty="0" smtClean="0"/>
+              <a:rPr lang="en-US" sz="1800" dirty="0"/>
               <a:t>  {</a:t>
             </a:r>
-            <a:endParaRPr lang="en-US" sz="1800" dirty="0"/>
           </a:p>
           <a:p>
             <a:r>
               <a:rPr lang="en-US" sz="1800" dirty="0"/>
-              <a:t>  </a:t>
-            </a:r>
-            <a:r>
-              <a:rPr lang="en-US" sz="1800" dirty="0" smtClean="0"/>
-              <a:t>  if </a:t>
-            </a:r>
-            <a:r>
-              <a:rPr lang="en-US" sz="1800" dirty="0"/>
-              <a:t>(</a:t>
+              <a:t>    if (</a:t>
             </a:r>
             <a:r>
               <a:rPr lang="en-US" sz="1800" dirty="0" err="1"/>
@@ -7530,7 +6888,7 @@
           </a:p>
           <a:p>
             <a:r>
-              <a:rPr lang="en-US" sz="1800" dirty="0" smtClean="0"/>
+              <a:rPr lang="en-US" sz="1800" dirty="0"/>
               <a:t>      return </a:t>
             </a:r>
             <a:r>
@@ -7578,7 +6936,7 @@
               <a:t>placesRepository</a:t>
             </a:r>
             <a:r>
-              <a:rPr lang="en-US" sz="1800" dirty="0" smtClean="0">
+              <a:rPr lang="en-US" sz="1800" dirty="0">
                 <a:solidFill>
                   <a:schemeClr val="tx1">
                     <a:lumMod val="20000"/>
@@ -7589,28 +6947,20 @@
               <a:t>)</a:t>
             </a:r>
             <a:r>
-              <a:rPr lang="en-US" sz="1800" dirty="0" smtClean="0"/>
+              <a:rPr lang="en-US" sz="1800" dirty="0"/>
               <a:t>;</a:t>
             </a:r>
           </a:p>
           <a:p>
             <a:r>
-              <a:rPr lang="en-US" sz="1800" dirty="0" smtClean="0"/>
+              <a:rPr lang="en-US" sz="1800" dirty="0"/>
               <a:t>    else</a:t>
             </a:r>
           </a:p>
           <a:p>
             <a:r>
-              <a:rPr lang="en-US" sz="1800" dirty="0" smtClean="0"/>
-              <a:t>      return </a:t>
-            </a:r>
-            <a:r>
               <a:rPr lang="en-US" sz="1800" dirty="0"/>
-              <a:t>null</a:t>
-            </a:r>
-            <a:r>
-              <a:rPr lang="en-US" sz="1800" dirty="0" smtClean="0"/>
-              <a:t>;</a:t>
+              <a:t>      return null;</a:t>
             </a:r>
           </a:p>
           <a:p>
@@ -7621,11 +6971,7 @@
             </a:pPr>
             <a:r>
               <a:rPr lang="en-US" sz="1800" dirty="0"/>
-              <a:t> </a:t>
-            </a:r>
-            <a:r>
-              <a:rPr lang="en-US" sz="1800" dirty="0" smtClean="0"/>
-              <a:t> }</a:t>
+              <a:t>  }</a:t>
             </a:r>
           </a:p>
           <a:p>
@@ -7636,11 +6982,7 @@
             </a:pPr>
             <a:r>
               <a:rPr lang="en-US" sz="1800" dirty="0"/>
-              <a:t> </a:t>
-            </a:r>
-            <a:r>
-              <a:rPr lang="en-US" sz="1800" dirty="0" smtClean="0"/>
-              <a:t> …</a:t>
+              <a:t>  …</a:t>
             </a:r>
           </a:p>
           <a:p>
@@ -7666,13 +7008,6 @@
   <p:clrMapOvr>
     <a:masterClrMapping/>
   </p:clrMapOvr>
-  <p:timing>
-    <p:tnLst>
-      <p:par>
-        <p:cTn id="1" dur="indefinite" restart="never" nodeType="tmRoot"/>
-      </p:par>
-    </p:tnLst>
-  </p:timing>
 </p:sld>
 </file>
 
@@ -7709,10 +7044,9 @@
           <a:lstStyle/>
           <a:p>
             <a:r>
-              <a:rPr lang="en-US" dirty="0" smtClean="0"/>
+              <a:rPr lang="en-US" dirty="0"/>
               <a:t>Inversion of Control (IoC)</a:t>
             </a:r>
-            <a:endParaRPr lang="en-US" dirty="0"/>
           </a:p>
         </p:txBody>
       </p:sp>
@@ -7732,10 +7066,9 @@
           <a:lstStyle/>
           <a:p>
             <a:r>
-              <a:rPr lang="en-US" dirty="0" smtClean="0"/>
+              <a:rPr lang="en-US" dirty="0"/>
               <a:t>Live Demo</a:t>
             </a:r>
-            <a:endParaRPr lang="en-US" dirty="0"/>
           </a:p>
         </p:txBody>
       </p:sp>
@@ -7749,13 +7082,6 @@
   <p:clrMapOvr>
     <a:masterClrMapping/>
   </p:clrMapOvr>
-  <p:timing>
-    <p:tnLst>
-      <p:par>
-        <p:cTn id="1" dur="indefinite" restart="never" nodeType="tmRoot"/>
-      </p:par>
-    </p:tnLst>
-  </p:timing>
 </p:sld>
 </file>
 
@@ -7792,10 +7118,9 @@
           <a:lstStyle/>
           <a:p>
             <a:r>
-              <a:rPr lang="en-US" dirty="0" smtClean="0"/>
+              <a:rPr lang="en-US" dirty="0"/>
               <a:t>Table of Contents</a:t>
             </a:r>
-            <a:endParaRPr lang="en-US" dirty="0"/>
           </a:p>
         </p:txBody>
       </p:sp>
@@ -7815,66 +7140,61 @@
           <a:lstStyle/>
           <a:p>
             <a:r>
-              <a:rPr lang="en-US" dirty="0" smtClean="0"/>
+              <a:rPr lang="en-US" dirty="0"/>
               <a:t>Application Layers</a:t>
             </a:r>
           </a:p>
           <a:p>
             <a:pPr lvl="1"/>
             <a:r>
-              <a:rPr lang="en-US" dirty="0" smtClean="0"/>
-              <a:t>Database </a:t>
-            </a:r>
-            <a:r>
-              <a:rPr lang="en-US" dirty="0" smtClean="0"/>
-              <a:t>Layer</a:t>
+              <a:rPr lang="en-US" dirty="0"/>
+              <a:t>Database Layer</a:t>
             </a:r>
           </a:p>
           <a:p>
             <a:pPr lvl="1"/>
             <a:r>
-              <a:rPr lang="en-US" dirty="0" smtClean="0"/>
+              <a:rPr lang="en-US" dirty="0"/>
               <a:t>Data Layer</a:t>
             </a:r>
-            <a:endParaRPr lang="en-US" dirty="0" smtClean="0"/>
           </a:p>
           <a:p>
             <a:pPr lvl="1"/>
             <a:r>
-              <a:rPr lang="en-US" dirty="0" smtClean="0"/>
+              <a:rPr lang="en-US" dirty="0"/>
               <a:t>Services Layer</a:t>
             </a:r>
           </a:p>
           <a:p>
             <a:r>
-              <a:rPr lang="en-US" dirty="0" smtClean="0"/>
+              <a:rPr lang="en-US" dirty="0"/>
               <a:t>The repository pattern</a:t>
             </a:r>
           </a:p>
           <a:p>
             <a:pPr lvl="1"/>
             <a:r>
-              <a:rPr lang="en-US" dirty="0" smtClean="0"/>
+              <a:rPr lang="en-US" dirty="0"/>
               <a:t>Creating repositories to unify database interactions</a:t>
             </a:r>
           </a:p>
           <a:p>
             <a:r>
-              <a:rPr lang="en-US" dirty="0" smtClean="0"/>
+              <a:rPr lang="en-US" dirty="0"/>
               <a:t>Inversion of Control and dependency Injection</a:t>
             </a:r>
           </a:p>
           <a:p>
             <a:pPr lvl="1"/>
             <a:r>
-              <a:rPr lang="en-US" dirty="0" smtClean="0"/>
+              <a:rPr lang="en-US" dirty="0"/>
               <a:t>Using </a:t>
             </a:r>
             <a:r>
-              <a:rPr lang="en-US" dirty="0" err="1" smtClean="0"/>
+              <a:rPr lang="en-US" dirty="0" err="1"/>
               <a:t>DependencyResolver</a:t>
             </a:r>
-            <a:endParaRPr lang="en-US" dirty="0" smtClean="0"/>
+            <a:endParaRPr lang="en-US" dirty="0"/>
           </a:p>
         </p:txBody>
       </p:sp>
@@ -7888,13 +7208,6 @@
   <p:clrMapOvr>
     <a:masterClrMapping/>
   </p:clrMapOvr>
-  <p:timing>
-    <p:tnLst>
-      <p:par>
-        <p:cTn id="1" dur="indefinite" restart="never" nodeType="tmRoot"/>
-      </p:par>
-    </p:tnLst>
-  </p:timing>
 </p:sld>
 </file>
 
@@ -7936,10 +7249,9 @@
           <a:lstStyle/>
           <a:p>
             <a:r>
-              <a:rPr lang="en-US" dirty="0" smtClean="0"/>
+              <a:rPr lang="en-US" dirty="0"/>
               <a:t>Application Layers</a:t>
             </a:r>
-            <a:endParaRPr lang="en-US" dirty="0"/>
           </a:p>
         </p:txBody>
       </p:sp>
@@ -7977,13 +7289,6 @@
   <p:clrMapOvr>
     <a:masterClrMapping/>
   </p:clrMapOvr>
-  <p:timing>
-    <p:tnLst>
-      <p:par>
-        <p:cTn id="1" dur="indefinite" restart="never" nodeType="tmRoot"/>
-      </p:par>
-    </p:tnLst>
-  </p:timing>
 </p:sld>
 </file>
 
@@ -8020,10 +7325,9 @@
           <a:lstStyle/>
           <a:p>
             <a:r>
-              <a:rPr lang="en-US" dirty="0" smtClean="0"/>
+              <a:rPr lang="en-US" dirty="0"/>
               <a:t>Application Layers</a:t>
             </a:r>
-            <a:endParaRPr lang="en-US" dirty="0"/>
           </a:p>
         </p:txBody>
       </p:sp>
@@ -8053,7 +7357,7 @@
               </a:lnSpc>
             </a:pPr>
             <a:r>
-              <a:rPr lang="en-US" sz="3000" dirty="0" smtClean="0"/>
+              <a:rPr lang="en-US" sz="3000" dirty="0"/>
               <a:t>A server application is build from three layers</a:t>
             </a:r>
           </a:p>
@@ -8064,11 +7368,11 @@
               </a:lnSpc>
             </a:pPr>
             <a:r>
-              <a:rPr lang="en-US" sz="2800" dirty="0" smtClean="0"/>
+              <a:rPr lang="en-US" sz="2800" dirty="0"/>
               <a:t>A </a:t>
             </a:r>
             <a:r>
-              <a:rPr lang="en-US" sz="2800" dirty="0" smtClean="0">
+              <a:rPr lang="en-US" sz="2800" dirty="0">
                 <a:solidFill>
                   <a:schemeClr val="accent5">
                     <a:lumMod val="20000"/>
@@ -8079,7 +7383,7 @@
               <a:t>data layer</a:t>
             </a:r>
             <a:r>
-              <a:rPr lang="en-US" sz="2800" dirty="0" smtClean="0"/>
+              <a:rPr lang="en-US" sz="2800" dirty="0"/>
               <a:t> contains</a:t>
             </a:r>
           </a:p>
@@ -8090,7 +7394,7 @@
               </a:lnSpc>
             </a:pPr>
             <a:r>
-              <a:rPr lang="en-US" sz="2600" dirty="0" smtClean="0"/>
+              <a:rPr lang="en-US" sz="2600" dirty="0"/>
               <a:t>Access to the data source (database, XML, etc…)</a:t>
             </a:r>
           </a:p>
@@ -8101,23 +7405,23 @@
               </a:lnSpc>
             </a:pPr>
             <a:r>
-              <a:rPr lang="en-US" sz="2600" dirty="0" smtClean="0"/>
+              <a:rPr lang="en-US" sz="2600" dirty="0"/>
               <a:t>EntityFramework </a:t>
             </a:r>
             <a:r>
-              <a:rPr lang="en-US" sz="2600" dirty="0" err="1" smtClean="0"/>
+              <a:rPr lang="en-US" sz="2600" dirty="0" err="1"/>
               <a:t>DbContext</a:t>
             </a:r>
             <a:r>
-              <a:rPr lang="en-US" sz="2600" dirty="0" smtClean="0"/>
+              <a:rPr lang="en-US" sz="2600" dirty="0"/>
               <a:t>, </a:t>
             </a:r>
             <a:r>
-              <a:rPr lang="en-US" sz="2600" dirty="0" err="1" smtClean="0"/>
+              <a:rPr lang="en-US" sz="2600" dirty="0" err="1"/>
               <a:t>XDocument</a:t>
             </a:r>
             <a:r>
-              <a:rPr lang="en-US" sz="2600" dirty="0" smtClean="0"/>
+              <a:rPr lang="en-US" sz="2600" dirty="0"/>
               <a:t>, etc…</a:t>
             </a:r>
           </a:p>
@@ -8128,11 +7432,11 @@
               </a:lnSpc>
             </a:pPr>
             <a:r>
-              <a:rPr lang="en-US" sz="2800" dirty="0" smtClean="0"/>
+              <a:rPr lang="en-US" sz="2800" dirty="0"/>
               <a:t>A </a:t>
             </a:r>
             <a:r>
-              <a:rPr lang="en-US" sz="2800" dirty="0" smtClean="0">
+              <a:rPr lang="en-US" sz="2800" dirty="0">
                 <a:solidFill>
                   <a:schemeClr val="accent5">
                     <a:lumMod val="20000"/>
@@ -8143,7 +7447,7 @@
               <a:t>repositories layer</a:t>
             </a:r>
             <a:r>
-              <a:rPr lang="en-US" sz="2800" dirty="0" smtClean="0"/>
+              <a:rPr lang="en-US" sz="2800" dirty="0"/>
               <a:t> contains</a:t>
             </a:r>
           </a:p>
@@ -8154,7 +7458,7 @@
               </a:lnSpc>
             </a:pPr>
             <a:r>
-              <a:rPr lang="en-US" sz="2600" dirty="0" smtClean="0"/>
+              <a:rPr lang="en-US" sz="2600" dirty="0"/>
               <a:t>Repositories with CRUD operations over a DB</a:t>
             </a:r>
           </a:p>
@@ -8165,11 +7469,11 @@
               </a:lnSpc>
             </a:pPr>
             <a:r>
-              <a:rPr lang="en-US" sz="2800" dirty="0" smtClean="0"/>
+              <a:rPr lang="en-US" sz="2800" dirty="0"/>
               <a:t>A </a:t>
             </a:r>
             <a:r>
-              <a:rPr lang="en-US" sz="2800" dirty="0" smtClean="0">
+              <a:rPr lang="en-US" sz="2800" dirty="0">
                 <a:solidFill>
                   <a:schemeClr val="accent5">
                     <a:lumMod val="20000"/>
@@ -8180,7 +7484,7 @@
               <a:t>service layer</a:t>
             </a:r>
             <a:r>
-              <a:rPr lang="en-US" sz="2800" dirty="0" smtClean="0"/>
+              <a:rPr lang="en-US" sz="2800" dirty="0"/>
               <a:t> contains</a:t>
             </a:r>
           </a:p>
@@ -8191,7 +7495,7 @@
               </a:lnSpc>
             </a:pPr>
             <a:r>
-              <a:rPr lang="en-US" sz="2600" dirty="0" smtClean="0"/>
+              <a:rPr lang="en-US" sz="2600" dirty="0"/>
               <a:t>A reference to a repositories layer</a:t>
             </a:r>
           </a:p>
@@ -8202,7 +7506,7 @@
               </a:lnSpc>
             </a:pPr>
             <a:r>
-              <a:rPr lang="en-US" sz="2600" dirty="0" smtClean="0"/>
+              <a:rPr lang="en-US" sz="2600" dirty="0"/>
               <a:t>A reference to the data layer</a:t>
             </a:r>
           </a:p>
@@ -8213,7 +7517,7 @@
               </a:lnSpc>
             </a:pPr>
             <a:r>
-              <a:rPr lang="en-US" sz="2600" dirty="0" smtClean="0"/>
+              <a:rPr lang="en-US" sz="2600" dirty="0"/>
               <a:t>Controllers with actions for a REST API</a:t>
             </a:r>
           </a:p>
@@ -8229,13 +7533,6 @@
   <p:clrMapOvr>
     <a:masterClrMapping/>
   </p:clrMapOvr>
-  <p:timing>
-    <p:tnLst>
-      <p:par>
-        <p:cTn id="1" dur="indefinite" restart="never" nodeType="tmRoot"/>
-      </p:par>
-    </p:tnLst>
-  </p:timing>
 </p:sld>
 </file>
 
@@ -8272,10 +7569,9 @@
           <a:lstStyle/>
           <a:p>
             <a:r>
-              <a:rPr lang="en-US" dirty="0" smtClean="0"/>
+              <a:rPr lang="en-US" dirty="0"/>
               <a:t>Application Layers</a:t>
             </a:r>
-            <a:endParaRPr lang="en-US" dirty="0"/>
           </a:p>
         </p:txBody>
       </p:sp>
@@ -8301,11 +7597,11 @@
           <a:p>
             <a:pPr algn="ctr"/>
             <a:r>
-              <a:rPr lang="en-US" sz="2400" dirty="0" smtClean="0"/>
+              <a:rPr lang="en-US" sz="2400" dirty="0"/>
               <a:t>The </a:t>
             </a:r>
             <a:r>
-              <a:rPr lang="en-US" sz="2400" dirty="0" smtClean="0">
+              <a:rPr lang="en-US" sz="2400" dirty="0">
                 <a:solidFill>
                   <a:schemeClr val="tx1">
                     <a:lumMod val="20000"/>
@@ -8315,14 +7611,6 @@
               </a:rPr>
               <a:t>Data Source</a:t>
             </a:r>
-            <a:endParaRPr lang="en-US" sz="2400" dirty="0">
-              <a:solidFill>
-                <a:schemeClr val="tx1">
-                  <a:lumMod val="20000"/>
-                  <a:lumOff val="80000"/>
-                </a:schemeClr>
-              </a:solidFill>
-            </a:endParaRPr>
           </a:p>
         </p:txBody>
       </p:sp>
@@ -8600,7 +7888,7 @@
           <a:p>
             <a:pPr algn="ctr"/>
             <a:r>
-              <a:rPr lang="en-US" sz="2400" dirty="0" smtClean="0">
+              <a:rPr lang="en-US" sz="2400" dirty="0">
                 <a:solidFill>
                   <a:schemeClr val="tx1">
                     <a:lumMod val="20000"/>
@@ -8611,10 +7899,9 @@
               <a:t>Data</a:t>
             </a:r>
             <a:r>
-              <a:rPr lang="en-US" sz="2400" dirty="0" smtClean="0"/>
+              <a:rPr lang="en-US" sz="2400" dirty="0"/>
               <a:t> Layer</a:t>
             </a:r>
-            <a:endParaRPr lang="en-US" sz="2400" dirty="0"/>
           </a:p>
         </p:txBody>
       </p:sp>
@@ -8892,7 +8179,7 @@
           <a:p>
             <a:pPr algn="ctr"/>
             <a:r>
-              <a:rPr lang="en-US" sz="2400" dirty="0" smtClean="0">
+              <a:rPr lang="en-US" sz="2400" dirty="0">
                 <a:solidFill>
                   <a:schemeClr val="tx1">
                     <a:lumMod val="20000"/>
@@ -9180,7 +8467,7 @@
           <a:p>
             <a:pPr algn="ctr"/>
             <a:r>
-              <a:rPr lang="en-US" sz="2400" dirty="0" smtClean="0">
+              <a:rPr lang="en-US" sz="2400" dirty="0">
                 <a:solidFill>
                   <a:schemeClr val="tx1">
                     <a:lumMod val="20000"/>
@@ -9191,17 +8478,16 @@
               <a:t>Services</a:t>
             </a:r>
             <a:r>
-              <a:rPr lang="en-US" sz="2400" dirty="0" smtClean="0"/>
+              <a:rPr lang="en-US" sz="2400" dirty="0"/>
               <a:t> Layer</a:t>
             </a:r>
             <a:br>
-              <a:rPr lang="en-US" sz="2400" dirty="0" smtClean="0"/>
+              <a:rPr lang="en-US" sz="2400" dirty="0"/>
             </a:br>
             <a:r>
-              <a:rPr lang="en-US" dirty="0" smtClean="0"/>
+              <a:rPr lang="en-US" dirty="0"/>
               <a:t>(Business layer)</a:t>
             </a:r>
-            <a:endParaRPr lang="en-US" dirty="0"/>
           </a:p>
         </p:txBody>
       </p:sp>
@@ -9442,10 +8728,10 @@
               <a:buNone/>
             </a:pPr>
             <a:r>
-              <a:rPr lang="en-US" sz="2000" dirty="0" smtClean="0"/>
+              <a:rPr lang="en-US" sz="2000" dirty="0"/>
               <a:t>MS SQL, MySQL, XML, Web services</a:t>
             </a:r>
-            <a:endParaRPr lang="en-US" sz="1800" dirty="0" smtClean="0"/>
+            <a:endParaRPr lang="en-US" sz="1800" dirty="0"/>
           </a:p>
         </p:txBody>
       </p:sp>
@@ -9728,29 +9014,29 @@
               <a:buNone/>
             </a:pPr>
             <a:r>
-              <a:rPr lang="en-US" sz="2000" dirty="0" smtClean="0"/>
+              <a:rPr lang="en-US" sz="2000" dirty="0"/>
               <a:t>Entity Framework, </a:t>
             </a:r>
             <a:r>
-              <a:rPr lang="en-US" sz="2000" dirty="0" err="1" smtClean="0"/>
+              <a:rPr lang="en-US" sz="2000" dirty="0" err="1"/>
               <a:t>OpenAccess</a:t>
             </a:r>
             <a:r>
-              <a:rPr lang="en-US" sz="2000" dirty="0" smtClean="0"/>
+              <a:rPr lang="en-US" sz="2000" dirty="0"/>
               <a:t>, </a:t>
             </a:r>
             <a:br>
-              <a:rPr lang="en-US" sz="2000" dirty="0" smtClean="0"/>
+              <a:rPr lang="en-US" sz="2000" dirty="0"/>
             </a:br>
             <a:r>
-              <a:rPr lang="en-US" sz="2000" dirty="0" err="1" smtClean="0"/>
+              <a:rPr lang="en-US" sz="2000" dirty="0" err="1"/>
               <a:t>Linq</a:t>
             </a:r>
             <a:r>
-              <a:rPr lang="en-US" sz="2000" dirty="0" smtClean="0"/>
+              <a:rPr lang="en-US" sz="2000" dirty="0"/>
               <a:t>-to-XML</a:t>
             </a:r>
-            <a:endParaRPr lang="en-US" sz="1800" dirty="0" smtClean="0"/>
+            <a:endParaRPr lang="en-US" sz="1800" dirty="0"/>
           </a:p>
         </p:txBody>
       </p:sp>
@@ -10033,10 +9319,10 @@
               <a:buNone/>
             </a:pPr>
             <a:r>
-              <a:rPr lang="en-US" sz="2000" dirty="0" smtClean="0"/>
+              <a:rPr lang="en-US" sz="2000" dirty="0"/>
               <a:t>WebAPI controllers</a:t>
             </a:r>
-            <a:endParaRPr lang="en-US" sz="1800" dirty="0" smtClean="0"/>
+            <a:endParaRPr lang="en-US" sz="1800" dirty="0"/>
           </a:p>
         </p:txBody>
       </p:sp>
@@ -10050,13 +9336,6 @@
   <p:clrMapOvr>
     <a:masterClrMapping/>
   </p:clrMapOvr>
-  <p:timing>
-    <p:tnLst>
-      <p:par>
-        <p:cTn id="1" dur="indefinite" restart="never" nodeType="tmRoot"/>
-      </p:par>
-    </p:tnLst>
-  </p:timing>
 </p:sld>
 </file>
 
@@ -10093,10 +9372,9 @@
           <a:lstStyle/>
           <a:p>
             <a:r>
-              <a:rPr lang="en-US" dirty="0" smtClean="0"/>
+              <a:rPr lang="en-US" dirty="0"/>
               <a:t>The Places Database</a:t>
             </a:r>
-            <a:endParaRPr lang="en-US" dirty="0"/>
           </a:p>
         </p:txBody>
       </p:sp>
@@ -10116,10 +9394,9 @@
           <a:lstStyle/>
           <a:p>
             <a:r>
-              <a:rPr lang="en-US" dirty="0" smtClean="0"/>
+              <a:rPr lang="en-US" dirty="0"/>
               <a:t>Creating a Sample Application</a:t>
             </a:r>
-            <a:endParaRPr lang="en-US" dirty="0"/>
           </a:p>
         </p:txBody>
       </p:sp>
@@ -10133,13 +9410,6 @@
   <p:clrMapOvr>
     <a:masterClrMapping/>
   </p:clrMapOvr>
-  <p:timing>
-    <p:tnLst>
-      <p:par>
-        <p:cTn id="1" dur="indefinite" restart="never" nodeType="tmRoot"/>
-      </p:par>
-    </p:tnLst>
-  </p:timing>
 </p:sld>
 </file>
 
@@ -10176,10 +9446,9 @@
           <a:lstStyle/>
           <a:p>
             <a:r>
-              <a:rPr lang="en-US" dirty="0" smtClean="0"/>
+              <a:rPr lang="en-US" dirty="0"/>
               <a:t>The Places Database</a:t>
             </a:r>
-            <a:endParaRPr lang="en-US" dirty="0"/>
           </a:p>
         </p:txBody>
       </p:sp>
@@ -10199,42 +9468,42 @@
           <a:lstStyle/>
           <a:p>
             <a:r>
-              <a:rPr lang="en-US" dirty="0" smtClean="0"/>
+              <a:rPr lang="en-US" dirty="0"/>
               <a:t>Develop an application to store places of interest</a:t>
             </a:r>
           </a:p>
           <a:p>
             <a:pPr lvl="1"/>
             <a:r>
-              <a:rPr lang="en-US" dirty="0" smtClean="0"/>
+              <a:rPr lang="en-US" dirty="0"/>
               <a:t>Each place has coordinates, name, a set of categories and optional description</a:t>
             </a:r>
           </a:p>
           <a:p>
             <a:pPr lvl="1"/>
             <a:r>
-              <a:rPr lang="en-US" dirty="0" smtClean="0"/>
+              <a:rPr lang="en-US" dirty="0"/>
               <a:t>Every user can leave a comment or vote for a place</a:t>
             </a:r>
           </a:p>
           <a:p>
             <a:pPr lvl="2"/>
             <a:r>
-              <a:rPr lang="en-US" dirty="0" smtClean="0"/>
+              <a:rPr lang="en-US" dirty="0"/>
               <a:t>The user needs to type in their username</a:t>
             </a:r>
           </a:p>
           <a:p>
             <a:pPr lvl="2"/>
             <a:r>
-              <a:rPr lang="en-US" dirty="0" smtClean="0"/>
+              <a:rPr lang="en-US" dirty="0"/>
               <a:t>No user authentication required</a:t>
             </a:r>
           </a:p>
           <a:p>
             <a:pPr lvl="1"/>
             <a:r>
-              <a:rPr lang="en-US" dirty="0" smtClean="0"/>
+              <a:rPr lang="en-US" dirty="0"/>
               <a:t>Categories have a name and set of places</a:t>
             </a:r>
           </a:p>
@@ -10250,13 +9519,6 @@
   <p:clrMapOvr>
     <a:masterClrMapping/>
   </p:clrMapOvr>
-  <p:timing>
-    <p:tnLst>
-      <p:par>
-        <p:cTn id="1" dur="indefinite" restart="never" nodeType="tmRoot"/>
-      </p:par>
-    </p:tnLst>
-  </p:timing>
 </p:sld>
 </file>
 
@@ -10293,10 +9555,9 @@
           <a:lstStyle/>
           <a:p>
             <a:r>
-              <a:rPr lang="en-US" dirty="0" smtClean="0"/>
+              <a:rPr lang="en-US" dirty="0"/>
               <a:t>The Database</a:t>
             </a:r>
-            <a:endParaRPr lang="en-US" dirty="0"/>
           </a:p>
         </p:txBody>
       </p:sp>
@@ -10329,13 +9590,6 @@
   <p:clrMapOvr>
     <a:masterClrMapping/>
   </p:clrMapOvr>
-  <p:timing>
-    <p:tnLst>
-      <p:par>
-        <p:cTn id="1" dur="indefinite" restart="never" nodeType="tmRoot"/>
-      </p:par>
-    </p:tnLst>
-  </p:timing>
 </p:sld>
 </file>
 
@@ -10372,10 +9626,9 @@
           <a:lstStyle/>
           <a:p>
             <a:r>
-              <a:rPr lang="en-US" dirty="0" smtClean="0"/>
+              <a:rPr lang="en-US" dirty="0"/>
               <a:t>The Database</a:t>
             </a:r>
-            <a:endParaRPr lang="en-US" dirty="0"/>
           </a:p>
         </p:txBody>
       </p:sp>
@@ -10395,38 +9648,37 @@
           <a:lstStyle/>
           <a:p>
             <a:r>
-              <a:rPr lang="en-US" dirty="0" smtClean="0"/>
+              <a:rPr lang="en-US" dirty="0"/>
               <a:t>Create a database for the application</a:t>
             </a:r>
           </a:p>
           <a:p>
             <a:pPr lvl="1"/>
             <a:r>
-              <a:rPr lang="en-US" dirty="0" smtClean="0"/>
+              <a:rPr lang="en-US" dirty="0"/>
               <a:t>i.e. using MS SQL Server</a:t>
             </a:r>
           </a:p>
           <a:p>
             <a:pPr lvl="1"/>
             <a:r>
-              <a:rPr lang="en-US" dirty="0" smtClean="0"/>
+              <a:rPr lang="en-US" dirty="0"/>
               <a:t>Create tables, relations, schema, etc…</a:t>
             </a:r>
           </a:p>
           <a:p>
             <a:pPr lvl="1"/>
             <a:r>
-              <a:rPr lang="en-US" dirty="0" smtClean="0"/>
+              <a:rPr lang="en-US" dirty="0"/>
               <a:t>Create store procedures and indexes</a:t>
             </a:r>
           </a:p>
           <a:p>
             <a:pPr lvl="1"/>
             <a:r>
-              <a:rPr lang="en-US" dirty="0" smtClean="0"/>
+              <a:rPr lang="en-US" dirty="0"/>
               <a:t>Create everything needed for an app database</a:t>
             </a:r>
-            <a:endParaRPr lang="en-US" dirty="0"/>
           </a:p>
           <a:p>
             <a:pPr lvl="1"/>
@@ -10444,13 +9696,6 @@
   <p:clrMapOvr>
     <a:masterClrMapping/>
   </p:clrMapOvr>
-  <p:timing>
-    <p:tnLst>
-      <p:par>
-        <p:cTn id="1" dur="indefinite" restart="never" nodeType="tmRoot"/>
-      </p:par>
-    </p:tnLst>
-  </p:timing>
 </p:sld>
 </file>
 
@@ -10487,10 +9732,9 @@
           <a:lstStyle/>
           <a:p>
             <a:r>
-              <a:rPr lang="en-US" dirty="0" smtClean="0"/>
+              <a:rPr lang="en-US" dirty="0"/>
               <a:t>Creating The Database</a:t>
             </a:r>
-            <a:endParaRPr lang="en-US" dirty="0"/>
           </a:p>
         </p:txBody>
       </p:sp>
@@ -10510,10 +9754,9 @@
           <a:lstStyle/>
           <a:p>
             <a:r>
-              <a:rPr lang="en-US" dirty="0" smtClean="0"/>
+              <a:rPr lang="en-US" dirty="0"/>
               <a:t>Live Demo</a:t>
             </a:r>
-            <a:endParaRPr lang="en-US" dirty="0"/>
           </a:p>
         </p:txBody>
       </p:sp>
@@ -10527,13 +9770,6 @@
   <p:clrMapOvr>
     <a:masterClrMapping/>
   </p:clrMapOvr>
-  <p:timing>
-    <p:tnLst>
-      <p:par>
-        <p:cTn id="1" dur="indefinite" restart="never" nodeType="tmRoot"/>
-      </p:par>
-    </p:tnLst>
-  </p:timing>
 </p:sld>
 </file>
 
@@ -10570,10 +9806,9 @@
           <a:lstStyle/>
           <a:p>
             <a:r>
-              <a:rPr lang="en-US" dirty="0" smtClean="0"/>
+              <a:rPr lang="en-US" dirty="0"/>
               <a:t>The Data Layer</a:t>
             </a:r>
-            <a:endParaRPr lang="en-US" dirty="0"/>
           </a:p>
         </p:txBody>
       </p:sp>
@@ -10606,13 +9841,6 @@
   <p:clrMapOvr>
     <a:masterClrMapping/>
   </p:clrMapOvr>
-  <p:timing>
-    <p:tnLst>
-      <p:par>
-        <p:cTn id="1" dur="indefinite" restart="never" nodeType="tmRoot"/>
-      </p:par>
-    </p:tnLst>
-  </p:timing>
 </p:sld>
 </file>
 
@@ -10649,10 +9877,9 @@
           <a:lstStyle/>
           <a:p>
             <a:r>
-              <a:rPr lang="en-US" dirty="0" smtClean="0"/>
+              <a:rPr lang="en-US" dirty="0"/>
               <a:t>The Data Layer</a:t>
             </a:r>
-            <a:endParaRPr lang="en-US" dirty="0"/>
           </a:p>
         </p:txBody>
       </p:sp>
@@ -10672,49 +9899,56 @@
           <a:lstStyle/>
           <a:p>
             <a:r>
-              <a:rPr lang="en-US" dirty="0" smtClean="0"/>
+              <a:rPr lang="en-US" dirty="0"/>
               <a:t>The data layer contains a way to connect to the database</a:t>
             </a:r>
           </a:p>
           <a:p>
             <a:pPr lvl="1"/>
             <a:r>
-              <a:rPr lang="en-US" dirty="0" smtClean="0"/>
+              <a:rPr lang="en-US" dirty="0"/>
               <a:t>Entity Framework</a:t>
             </a:r>
           </a:p>
           <a:p>
             <a:pPr lvl="2"/>
             <a:r>
-              <a:rPr lang="en-US" dirty="0" smtClean="0"/>
+              <a:rPr lang="en-US" dirty="0"/>
               <a:t>Database-first or Code-first</a:t>
             </a:r>
           </a:p>
           <a:p>
             <a:pPr lvl="1"/>
             <a:r>
-              <a:rPr lang="en-US" dirty="0" smtClean="0"/>
+              <a:rPr lang="en-US" dirty="0"/>
+              <a:t>Dapper</a:t>
+            </a:r>
+          </a:p>
+          <a:p>
+            <a:pPr lvl="1"/>
+            <a:r>
+              <a:rPr lang="en-US" dirty="0"/>
               <a:t>ADO.NET</a:t>
             </a:r>
           </a:p>
           <a:p>
             <a:pPr lvl="1"/>
             <a:r>
-              <a:rPr lang="en-US" dirty="0" smtClean="0"/>
+              <a:rPr lang="en-US" dirty="0"/>
               <a:t>LINQ-to-SQL</a:t>
             </a:r>
           </a:p>
           <a:p>
             <a:pPr lvl="1"/>
             <a:r>
-              <a:rPr lang="en-US" dirty="0" smtClean="0"/>
+              <a:rPr lang="en-US" dirty="0"/>
               <a:t>LINQ-to-XML</a:t>
             </a:r>
           </a:p>
           <a:p>
             <a:pPr lvl="1"/>
             <a:r>
-              <a:rPr lang="en-US" dirty="0" smtClean="0"/>
+              <a:rPr lang="en-US" dirty="0"/>
               <a:t>Etc…</a:t>
             </a:r>
           </a:p>
@@ -10730,13 +9964,6 @@
   <p:clrMapOvr>
     <a:masterClrMapping/>
   </p:clrMapOvr>
-  <p:timing>
-    <p:tnLst>
-      <p:par>
-        <p:cTn id="1" dur="indefinite" restart="never" nodeType="tmRoot"/>
-      </p:par>
-    </p:tnLst>
-  </p:timing>
 </p:sld>
 </file>
 
@@ -10792,10 +10019,9 @@
           <a:lstStyle/>
           <a:p>
             <a:r>
-              <a:rPr lang="en-US" dirty="0" smtClean="0"/>
+              <a:rPr lang="en-US" dirty="0"/>
               <a:t>a</a:t>
             </a:r>
-            <a:endParaRPr lang="en-US" dirty="0"/>
           </a:p>
         </p:txBody>
       </p:sp>
@@ -10809,13 +10035,6 @@
   <p:clrMapOvr>
     <a:masterClrMapping/>
   </p:clrMapOvr>
-  <p:timing>
-    <p:tnLst>
-      <p:par>
-        <p:cTn id="1" dur="indefinite" restart="never" nodeType="tmRoot"/>
-      </p:par>
-    </p:tnLst>
-  </p:timing>
 </p:sld>
 </file>
 
@@ -10852,10 +10071,9 @@
           <a:lstStyle/>
           <a:p>
             <a:r>
-              <a:rPr lang="en-US" dirty="0" smtClean="0"/>
+              <a:rPr lang="en-US" dirty="0"/>
               <a:t>Creating the Data Layer</a:t>
             </a:r>
-            <a:endParaRPr lang="en-US" dirty="0"/>
           </a:p>
         </p:txBody>
       </p:sp>
@@ -10875,10 +10093,9 @@
           <a:lstStyle/>
           <a:p>
             <a:r>
-              <a:rPr lang="en-US" dirty="0" smtClean="0"/>
+              <a:rPr lang="en-US" dirty="0"/>
               <a:t>Live Demo</a:t>
             </a:r>
-            <a:endParaRPr lang="en-US" dirty="0"/>
           </a:p>
         </p:txBody>
       </p:sp>
@@ -10892,13 +10109,6 @@
   <p:clrMapOvr>
     <a:masterClrMapping/>
   </p:clrMapOvr>
-  <p:timing>
-    <p:tnLst>
-      <p:par>
-        <p:cTn id="1" dur="indefinite" restart="never" nodeType="tmRoot"/>
-      </p:par>
-    </p:tnLst>
-  </p:timing>
 </p:sld>
 </file>
 
@@ -10935,10 +10145,9 @@
           <a:lstStyle/>
           <a:p>
             <a:r>
-              <a:rPr lang="en-US" dirty="0" smtClean="0"/>
+              <a:rPr lang="en-US" dirty="0"/>
               <a:t>The Repositories Layer</a:t>
             </a:r>
-            <a:endParaRPr lang="en-US" dirty="0"/>
           </a:p>
         </p:txBody>
       </p:sp>
@@ -10971,13 +10180,6 @@
   <p:clrMapOvr>
     <a:masterClrMapping/>
   </p:clrMapOvr>
-  <p:timing>
-    <p:tnLst>
-      <p:par>
-        <p:cTn id="1" dur="indefinite" restart="never" nodeType="tmRoot"/>
-      </p:par>
-    </p:tnLst>
-  </p:timing>
 </p:sld>
 </file>
 
@@ -11014,10 +10216,9 @@
           <a:lstStyle/>
           <a:p>
             <a:r>
-              <a:rPr lang="en-US" dirty="0" smtClean="0"/>
+              <a:rPr lang="en-US" dirty="0"/>
               <a:t>The Repositories Layer</a:t>
             </a:r>
-            <a:endParaRPr lang="en-US" dirty="0"/>
           </a:p>
         </p:txBody>
       </p:sp>
@@ -11042,18 +10243,18 @@
           <a:lstStyle/>
           <a:p>
             <a:r>
-              <a:rPr lang="en-US" dirty="0" smtClean="0"/>
+              <a:rPr lang="en-US" dirty="0"/>
               <a:t>The repository layer exposes repositories to work with the Database</a:t>
             </a:r>
           </a:p>
           <a:p>
             <a:pPr lvl="1"/>
             <a:r>
-              <a:rPr lang="en-US" dirty="0" smtClean="0"/>
+              <a:rPr lang="en-US" dirty="0"/>
               <a:t>Using the </a:t>
             </a:r>
             <a:r>
-              <a:rPr lang="en-US" dirty="0" smtClean="0">
+              <a:rPr lang="en-US" dirty="0">
                 <a:solidFill>
                   <a:schemeClr val="accent5">
                     <a:lumMod val="20000"/>
@@ -11067,24 +10268,20 @@
           <a:p>
             <a:r>
               <a:rPr lang="en-US" dirty="0"/>
-              <a:t>The repositories introduce methods to perform CRUD operations over </a:t>
-            </a:r>
-            <a:r>
-              <a:rPr lang="en-US" dirty="0" smtClean="0"/>
-              <a:t>the data store</a:t>
+              <a:t>The repositories introduce methods to perform CRUD operations over the data store</a:t>
             </a:r>
           </a:p>
           <a:p>
             <a:pPr lvl="1"/>
             <a:r>
-              <a:rPr lang="en-US" dirty="0" smtClean="0"/>
+              <a:rPr lang="en-US" dirty="0"/>
               <a:t>In our case over the </a:t>
             </a:r>
             <a:r>
-              <a:rPr lang="en-US" smtClean="0"/>
+              <a:rPr lang="en-US"/>
               <a:t>Places database</a:t>
             </a:r>
-            <a:endParaRPr lang="en-US" dirty="0" smtClean="0"/>
+            <a:endParaRPr lang="en-US" dirty="0"/>
           </a:p>
         </p:txBody>
       </p:sp>
@@ -11098,13 +10295,6 @@
   <p:clrMapOvr>
     <a:masterClrMapping/>
   </p:clrMapOvr>
-  <p:timing>
-    <p:tnLst>
-      <p:par>
-        <p:cTn id="1" dur="indefinite" restart="never" nodeType="tmRoot"/>
-      </p:par>
-    </p:tnLst>
-  </p:timing>
 </p:sld>
 </file>
 
@@ -11146,12 +10336,8 @@
           <a:lstStyle/>
           <a:p>
             <a:r>
-              <a:rPr lang="en-US" dirty="0" smtClean="0"/>
-              <a:t>Creating the </a:t>
-            </a:r>
-            <a:r>
-              <a:rPr lang="en-US" dirty="0"/>
-              <a:t>Repositories Layer</a:t>
+              <a:rPr lang="en-US" dirty="0"/>
+              <a:t>Creating the Repositories Layer</a:t>
             </a:r>
           </a:p>
         </p:txBody>
@@ -11177,10 +10363,9 @@
           <a:lstStyle/>
           <a:p>
             <a:r>
-              <a:rPr lang="en-US" dirty="0" smtClean="0"/>
+              <a:rPr lang="en-US" dirty="0"/>
               <a:t>Live Demo</a:t>
             </a:r>
-            <a:endParaRPr lang="en-US" dirty="0"/>
           </a:p>
         </p:txBody>
       </p:sp>
@@ -11194,13 +10379,6 @@
   <p:clrMapOvr>
     <a:masterClrMapping/>
   </p:clrMapOvr>
-  <p:timing>
-    <p:tnLst>
-      <p:par>
-        <p:cTn id="1" dur="indefinite" restart="never" nodeType="tmRoot"/>
-      </p:par>
-    </p:tnLst>
-  </p:timing>
 </p:sld>
 </file>
 
@@ -11237,10 +10415,9 @@
           <a:lstStyle/>
           <a:p>
             <a:r>
-              <a:rPr lang="en-US" dirty="0" smtClean="0"/>
+              <a:rPr lang="en-US" dirty="0"/>
               <a:t>The Services Layer</a:t>
             </a:r>
-            <a:endParaRPr lang="en-US" dirty="0"/>
           </a:p>
         </p:txBody>
       </p:sp>
@@ -11273,13 +10450,6 @@
   <p:clrMapOvr>
     <a:masterClrMapping/>
   </p:clrMapOvr>
-  <p:timing>
-    <p:tnLst>
-      <p:par>
-        <p:cTn id="1" dur="indefinite" restart="never" nodeType="tmRoot"/>
-      </p:par>
-    </p:tnLst>
-  </p:timing>
 </p:sld>
 </file>
 
@@ -11316,10 +10486,9 @@
           <a:lstStyle/>
           <a:p>
             <a:r>
-              <a:rPr lang="en-US" dirty="0" smtClean="0"/>
+              <a:rPr lang="en-US" dirty="0"/>
               <a:t>The Services Layer</a:t>
             </a:r>
-            <a:endParaRPr lang="en-US" dirty="0"/>
           </a:p>
         </p:txBody>
       </p:sp>
@@ -11339,34 +10508,34 @@
           <a:lstStyle/>
           <a:p>
             <a:r>
-              <a:rPr lang="en-US" dirty="0" smtClean="0"/>
+              <a:rPr lang="en-US" dirty="0"/>
               <a:t>The Services layer is the layer that contains the business logic</a:t>
             </a:r>
           </a:p>
           <a:p>
             <a:pPr lvl="1"/>
             <a:r>
-              <a:rPr lang="en-US" dirty="0" smtClean="0"/>
+              <a:rPr lang="en-US" dirty="0"/>
               <a:t>It uses the repositories for data interactions</a:t>
             </a:r>
           </a:p>
           <a:p>
             <a:pPr lvl="2"/>
             <a:r>
-              <a:rPr lang="en-US" dirty="0" smtClean="0"/>
+              <a:rPr lang="en-US" dirty="0"/>
               <a:t>Yet has no direct dependency over the data store</a:t>
             </a:r>
           </a:p>
           <a:p>
             <a:r>
-              <a:rPr lang="en-US" dirty="0" smtClean="0"/>
+              <a:rPr lang="en-US" dirty="0"/>
               <a:t>The Services layer contains all the controllers that are used by the Service Consumer</a:t>
             </a:r>
           </a:p>
           <a:p>
             <a:pPr lvl="1"/>
             <a:r>
-              <a:rPr lang="en-US" dirty="0" smtClean="0"/>
+              <a:rPr lang="en-US" dirty="0"/>
               <a:t>Handles computing and error handling</a:t>
             </a:r>
           </a:p>
@@ -11382,13 +10551,6 @@
   <p:clrMapOvr>
     <a:masterClrMapping/>
   </p:clrMapOvr>
-  <p:timing>
-    <p:tnLst>
-      <p:par>
-        <p:cTn id="1" dur="indefinite" restart="never" nodeType="tmRoot"/>
-      </p:par>
-    </p:tnLst>
-  </p:timing>
 </p:sld>
 </file>
 
@@ -11425,10 +10587,9 @@
           <a:lstStyle/>
           <a:p>
             <a:r>
-              <a:rPr lang="en-US" dirty="0" smtClean="0"/>
+              <a:rPr lang="en-US" dirty="0"/>
               <a:t>The Services Layer</a:t>
             </a:r>
-            <a:endParaRPr lang="en-US" dirty="0"/>
           </a:p>
         </p:txBody>
       </p:sp>
@@ -11448,39 +10609,39 @@
           <a:lstStyle/>
           <a:p>
             <a:r>
-              <a:rPr lang="en-US" dirty="0" smtClean="0"/>
+              <a:rPr lang="en-US" dirty="0"/>
               <a:t>The Services Layer is the place where ASP.NET WebAPI steps in</a:t>
             </a:r>
           </a:p>
           <a:p>
             <a:pPr lvl="1"/>
             <a:r>
-              <a:rPr lang="en-US" dirty="0" smtClean="0"/>
+              <a:rPr lang="en-US" dirty="0"/>
               <a:t>It is the only layer that is dependent to </a:t>
             </a:r>
             <a:r>
-              <a:rPr lang="en-US" smtClean="0"/>
+              <a:rPr lang="en-US"/>
               <a:t>the WebAPI framework</a:t>
             </a:r>
-            <a:endParaRPr lang="en-US" dirty="0" smtClean="0"/>
-          </a:p>
-          <a:p>
-            <a:r>
-              <a:rPr lang="en-US" dirty="0" smtClean="0"/>
+            <a:endParaRPr lang="en-US" dirty="0"/>
+          </a:p>
+          <a:p>
+            <a:r>
+              <a:rPr lang="en-US" dirty="0"/>
               <a:t>The Services layers uses the repositories to interact with the Data store and WebAPI to communicate with the Consumers</a:t>
             </a:r>
           </a:p>
           <a:p>
             <a:pPr lvl="1"/>
             <a:r>
-              <a:rPr lang="en-US" dirty="0" smtClean="0"/>
+              <a:rPr lang="en-US" dirty="0"/>
               <a:t>Each controller has a repository instance for data store interactions</a:t>
             </a:r>
           </a:p>
           <a:p>
             <a:pPr lvl="2"/>
             <a:r>
-              <a:rPr lang="en-US" dirty="0" smtClean="0"/>
+              <a:rPr lang="en-US" dirty="0"/>
               <a:t>The repository instances are received by IoC</a:t>
             </a:r>
           </a:p>
@@ -11500,13 +10661,6 @@
   <p:clrMapOvr>
     <a:masterClrMapping/>
   </p:clrMapOvr>
-  <p:timing>
-    <p:tnLst>
-      <p:par>
-        <p:cTn id="1" dur="indefinite" restart="never" nodeType="tmRoot"/>
-      </p:par>
-    </p:tnLst>
-  </p:timing>
 </p:sld>
 </file>
 
@@ -11583,13 +10737,6 @@
   <p:clrMapOvr>
     <a:masterClrMapping/>
   </p:clrMapOvr>
-  <p:timing>
-    <p:tnLst>
-      <p:par>
-        <p:cTn id="1" dur="indefinite" restart="never" nodeType="tmRoot"/>
-      </p:par>
-    </p:tnLst>
-  </p:timing>
 </p:sld>
 </file>
 
@@ -11626,10 +10773,9 @@
           <a:lstStyle/>
           <a:p>
             <a:r>
-              <a:rPr lang="en-US" dirty="0" smtClean="0"/>
+              <a:rPr lang="en-US" dirty="0"/>
               <a:t>The Repository Pattern</a:t>
             </a:r>
-            <a:endParaRPr lang="en-US" dirty="0"/>
           </a:p>
         </p:txBody>
       </p:sp>
@@ -11662,13 +10808,6 @@
   <p:clrMapOvr>
     <a:masterClrMapping/>
   </p:clrMapOvr>
-  <p:timing>
-    <p:tnLst>
-      <p:par>
-        <p:cTn id="1" dur="indefinite" restart="never" nodeType="tmRoot"/>
-      </p:par>
-    </p:tnLst>
-  </p:timing>
 </p:sld>
 </file>
 
@@ -11705,10 +10844,9 @@
           <a:lstStyle/>
           <a:p>
             <a:r>
-              <a:rPr lang="en-US" dirty="0" smtClean="0"/>
+              <a:rPr lang="en-US" dirty="0"/>
               <a:t>The Repository Pattern</a:t>
             </a:r>
-            <a:endParaRPr lang="en-US" dirty="0"/>
           </a:p>
         </p:txBody>
       </p:sp>
@@ -11728,44 +10866,44 @@
           <a:lstStyle/>
           <a:p>
             <a:r>
-              <a:rPr lang="en-US" dirty="0" smtClean="0"/>
+              <a:rPr lang="en-US" dirty="0"/>
               <a:t>The repository pattern wraps the access to data stores (like databases, XML, services…)</a:t>
             </a:r>
           </a:p>
           <a:p>
             <a:pPr lvl="1"/>
             <a:r>
-              <a:rPr lang="en-US" dirty="0" smtClean="0"/>
+              <a:rPr lang="en-US" dirty="0"/>
               <a:t>Exposes only interfaces to interact with a data store</a:t>
             </a:r>
           </a:p>
           <a:p>
             <a:pPr lvl="1"/>
             <a:r>
-              <a:rPr lang="en-US" dirty="0" smtClean="0"/>
+              <a:rPr lang="en-US" dirty="0"/>
               <a:t>Used for higher code-reusability and testability</a:t>
             </a:r>
           </a:p>
           <a:p>
             <a:r>
-              <a:rPr lang="en-US" dirty="0" smtClean="0"/>
+              <a:rPr lang="en-US" dirty="0"/>
               <a:t>The app's business layer contains a single instance of a repository</a:t>
             </a:r>
           </a:p>
           <a:p>
             <a:pPr lvl="1"/>
             <a:r>
-              <a:rPr lang="en-US" dirty="0" smtClean="0"/>
+              <a:rPr lang="en-US" dirty="0"/>
               <a:t>Used to perform CRUD operations over the data store</a:t>
             </a:r>
           </a:p>
           <a:p>
             <a:pPr lvl="1"/>
-            <a:endParaRPr lang="en-US" dirty="0" smtClean="0"/>
+            <a:endParaRPr lang="en-US" dirty="0"/>
           </a:p>
           <a:p>
             <a:pPr lvl="2"/>
-            <a:endParaRPr lang="en-US" dirty="0" smtClean="0"/>
+            <a:endParaRPr lang="en-US" dirty="0"/>
           </a:p>
           <a:p>
             <a:pPr lvl="1"/>
@@ -11783,13 +10921,6 @@
   <p:clrMapOvr>
     <a:masterClrMapping/>
   </p:clrMapOvr>
-  <p:timing>
-    <p:tnLst>
-      <p:par>
-        <p:cTn id="1" dur="indefinite" restart="never" nodeType="tmRoot"/>
-      </p:par>
-    </p:tnLst>
-  </p:timing>
 </p:sld>
 </file>
 
@@ -11831,10 +10962,9 @@
           <a:lstStyle/>
           <a:p>
             <a:r>
-              <a:rPr lang="en-US" dirty="0" smtClean="0"/>
+              <a:rPr lang="en-US" dirty="0"/>
               <a:t>The Repository Pattern: Example</a:t>
             </a:r>
-            <a:endParaRPr lang="en-US" dirty="0"/>
           </a:p>
         </p:txBody>
       </p:sp>
@@ -11873,175 +11003,159 @@
           </a:p>
           <a:p>
             <a:r>
-              <a:rPr lang="en-US" dirty="0" smtClean="0"/>
+              <a:rPr lang="en-US" dirty="0"/>
               <a:t>{</a:t>
             </a:r>
+          </a:p>
+          <a:p>
+            <a:r>
+              <a:rPr lang="en-US" dirty="0"/>
+              <a:t>  T Add(T item);</a:t>
+            </a:r>
+          </a:p>
+          <a:p>
+            <a:r>
+              <a:rPr lang="en-US" dirty="0"/>
+              <a:t>  </a:t>
+            </a:r>
+            <a:r>
+              <a:rPr lang="en-US" dirty="0" err="1"/>
+              <a:t>IEnumerable</a:t>
+            </a:r>
+            <a:r>
+              <a:rPr lang="en-US" dirty="0"/>
+              <a:t>&lt;T&gt; </a:t>
+            </a:r>
+            <a:r>
+              <a:rPr lang="en-US" dirty="0" err="1"/>
+              <a:t>GetAll</a:t>
+            </a:r>
+            <a:r>
+              <a:rPr lang="en-US" dirty="0"/>
+              <a:t>(); </a:t>
+            </a:r>
+          </a:p>
+          <a:p>
+            <a:r>
+              <a:rPr lang="en-US" dirty="0"/>
+              <a:t>  …</a:t>
+            </a:r>
+          </a:p>
+          <a:p>
+            <a:r>
+              <a:rPr lang="en-US" dirty="0"/>
+              <a:t>}</a:t>
+            </a:r>
+          </a:p>
+          <a:p>
             <a:endParaRPr lang="en-US" dirty="0"/>
           </a:p>
           <a:p>
             <a:r>
-              <a:rPr lang="en-US" dirty="0" smtClean="0"/>
-              <a:t>  T </a:t>
-            </a:r>
-            <a:r>
-              <a:rPr lang="en-US" dirty="0"/>
-              <a:t>Add(T item);</a:t>
-            </a:r>
-          </a:p>
-          <a:p>
-            <a:r>
-              <a:rPr lang="en-US" dirty="0"/>
-              <a:t>  </a:t>
-            </a:r>
-            <a:r>
-              <a:rPr lang="en-US" dirty="0" err="1" smtClean="0"/>
+              <a:rPr lang="en-US" dirty="0"/>
+              <a:t>public interface </a:t>
+            </a:r>
+            <a:r>
+              <a:rPr lang="en-US" dirty="0" err="1"/>
+              <a:t>IPlacesRepository</a:t>
+            </a:r>
+            <a:r>
+              <a:rPr lang="en-US" dirty="0"/>
+              <a:t> : IRepository&lt;</a:t>
+            </a:r>
+            <a:r>
+              <a:rPr lang="en-US" dirty="0" err="1"/>
+              <a:t>PlaceDto</a:t>
+            </a:r>
+            <a:r>
+              <a:rPr lang="en-US" dirty="0"/>
+              <a:t>&gt;</a:t>
+            </a:r>
+          </a:p>
+          <a:p>
+            <a:r>
+              <a:rPr lang="en-US" dirty="0"/>
+              <a:t>{ }</a:t>
+            </a:r>
+          </a:p>
+          <a:p>
+            <a:endParaRPr lang="en-US" dirty="0"/>
+          </a:p>
+          <a:p>
+            <a:r>
+              <a:rPr lang="en-US" dirty="0"/>
+              <a:t>public class DbPlacesRepository: </a:t>
+            </a:r>
+            <a:r>
+              <a:rPr lang="en-US" dirty="0" err="1"/>
+              <a:t>IPlacesRepository</a:t>
+            </a:r>
+            <a:endParaRPr lang="en-US" dirty="0"/>
+          </a:p>
+          <a:p>
+            <a:r>
+              <a:rPr lang="en-US" dirty="0"/>
+              <a:t>{</a:t>
+            </a:r>
+          </a:p>
+          <a:p>
+            <a:r>
+              <a:rPr lang="en-US" dirty="0"/>
+              <a:t>  public </a:t>
+            </a:r>
+            <a:r>
+              <a:rPr lang="en-US" dirty="0" err="1"/>
+              <a:t>PlaceDto</a:t>
+            </a:r>
+            <a:r>
+              <a:rPr lang="en-US" dirty="0"/>
+              <a:t> Add(</a:t>
+            </a:r>
+            <a:r>
+              <a:rPr lang="en-US" dirty="0" err="1"/>
+              <a:t>PlaceDto</a:t>
+            </a:r>
+            <a:r>
+              <a:rPr lang="en-US" dirty="0"/>
+              <a:t> Add){ … }</a:t>
+            </a:r>
+          </a:p>
+          <a:p>
+            <a:r>
+              <a:rPr lang="en-US" dirty="0"/>
+              <a:t>  public </a:t>
+            </a:r>
+            <a:r>
+              <a:rPr lang="en-US" dirty="0" err="1"/>
               <a:t>IEnumerable</a:t>
             </a:r>
             <a:r>
-              <a:rPr lang="en-US" dirty="0" smtClean="0"/>
-              <a:t>&lt;T&gt; </a:t>
-            </a:r>
-            <a:r>
-              <a:rPr lang="en-US" dirty="0" err="1" smtClean="0"/>
+              <a:rPr lang="en-US" dirty="0"/>
+              <a:t>&lt;</a:t>
+            </a:r>
+            <a:r>
+              <a:rPr lang="en-US" dirty="0" err="1"/>
+              <a:t>PlaceDto</a:t>
+            </a:r>
+            <a:r>
+              <a:rPr lang="en-US" dirty="0"/>
+              <a:t>&gt; </a:t>
+            </a:r>
+            <a:r>
+              <a:rPr lang="en-US" dirty="0" err="1"/>
               <a:t>GetAll</a:t>
             </a:r>
             <a:r>
-              <a:rPr lang="en-US" dirty="0" smtClean="0"/>
-              <a:t>(); </a:t>
-            </a:r>
-            <a:endParaRPr lang="en-US" dirty="0"/>
-          </a:p>
-          <a:p>
-            <a:r>
-              <a:rPr lang="en-US" dirty="0" smtClean="0"/>
-              <a:t>  …</a:t>
-            </a:r>
-            <a:endParaRPr lang="en-US" dirty="0"/>
-          </a:p>
-          <a:p>
-            <a:r>
-              <a:rPr lang="en-US" dirty="0" smtClean="0"/>
+              <a:rPr lang="en-US" dirty="0"/>
+              <a:t>(){ … }   </a:t>
+            </a:r>
+            <a:br>
+              <a:rPr lang="en-US" dirty="0"/>
+            </a:br>
+            <a:r>
+              <a:rPr lang="en-US" dirty="0"/>
               <a:t>}</a:t>
             </a:r>
-          </a:p>
-          <a:p>
-            <a:endParaRPr lang="en-US" dirty="0" smtClean="0"/>
-          </a:p>
-          <a:p>
-            <a:r>
-              <a:rPr lang="en-US" dirty="0" smtClean="0"/>
-              <a:t>public interface </a:t>
-            </a:r>
-            <a:r>
-              <a:rPr lang="en-US" dirty="0" err="1" smtClean="0"/>
-              <a:t>IPlacesRepository</a:t>
-            </a:r>
-            <a:r>
-              <a:rPr lang="en-US" dirty="0" smtClean="0"/>
-              <a:t> : IRepository&lt;</a:t>
-            </a:r>
-            <a:r>
-              <a:rPr lang="en-US" dirty="0" err="1" smtClean="0"/>
-              <a:t>PlaceDto</a:t>
-            </a:r>
-            <a:r>
-              <a:rPr lang="en-US" dirty="0" smtClean="0"/>
-              <a:t>&gt;</a:t>
-            </a:r>
-          </a:p>
-          <a:p>
-            <a:r>
-              <a:rPr lang="en-US" dirty="0" smtClean="0"/>
-              <a:t>{ }</a:t>
-            </a:r>
-          </a:p>
-          <a:p>
-            <a:endParaRPr lang="en-US" dirty="0" smtClean="0"/>
-          </a:p>
-          <a:p>
-            <a:r>
-              <a:rPr lang="en-US" dirty="0" smtClean="0"/>
-              <a:t>public class DbPlacesRepository: </a:t>
-            </a:r>
-            <a:r>
-              <a:rPr lang="en-US" dirty="0" err="1" smtClean="0"/>
-              <a:t>IPlacesRepository</a:t>
-            </a:r>
-            <a:endParaRPr lang="en-US" dirty="0" smtClean="0"/>
-          </a:p>
-          <a:p>
-            <a:r>
-              <a:rPr lang="en-US" dirty="0" smtClean="0"/>
-              <a:t>{</a:t>
-            </a:r>
-          </a:p>
-          <a:p>
-            <a:r>
-              <a:rPr lang="en-US" dirty="0"/>
-              <a:t> </a:t>
-            </a:r>
-            <a:r>
-              <a:rPr lang="en-US" dirty="0" smtClean="0"/>
-              <a:t> public </a:t>
-            </a:r>
-            <a:r>
-              <a:rPr lang="en-US" dirty="0" err="1" smtClean="0"/>
-              <a:t>PlaceDto</a:t>
-            </a:r>
-            <a:r>
-              <a:rPr lang="en-US" dirty="0" smtClean="0"/>
-              <a:t> Add(</a:t>
-            </a:r>
-            <a:r>
-              <a:rPr lang="en-US" dirty="0" err="1" smtClean="0"/>
-              <a:t>PlaceDto</a:t>
-            </a:r>
-            <a:r>
-              <a:rPr lang="en-US" dirty="0" smtClean="0"/>
-              <a:t> Add){ … }</a:t>
-            </a:r>
-          </a:p>
-          <a:p>
-            <a:r>
-              <a:rPr lang="en-US" dirty="0" smtClean="0"/>
-              <a:t>  public </a:t>
-            </a:r>
-            <a:r>
-              <a:rPr lang="en-US" dirty="0" err="1" smtClean="0"/>
-              <a:t>IEnumerable</a:t>
-            </a:r>
-            <a:r>
-              <a:rPr lang="en-US" dirty="0" smtClean="0"/>
-              <a:t>&lt;</a:t>
-            </a:r>
-            <a:r>
-              <a:rPr lang="en-US" dirty="0" err="1" smtClean="0"/>
-              <a:t>PlaceDto</a:t>
-            </a:r>
-            <a:r>
-              <a:rPr lang="en-US" dirty="0" smtClean="0"/>
-              <a:t>&gt; </a:t>
-            </a:r>
-            <a:r>
-              <a:rPr lang="en-US" dirty="0" err="1" smtClean="0"/>
-              <a:t>GetAll</a:t>
-            </a:r>
-            <a:r>
-              <a:rPr lang="en-US" dirty="0" smtClean="0"/>
-              <a:t>(){ … }   </a:t>
-            </a:r>
-            <a:r>
-              <a:rPr lang="en-US" dirty="0"/>
-              <a:t/>
-            </a:r>
-            <a:br>
-              <a:rPr lang="en-US" dirty="0"/>
-            </a:br>
-            <a:r>
-              <a:rPr lang="en-US" dirty="0" smtClean="0"/>
-              <a:t>}</a:t>
-            </a:r>
-            <a:endParaRPr lang="en-US" dirty="0"/>
           </a:p>
         </p:txBody>
       </p:sp>
@@ -12055,13 +11169,6 @@
   <p:clrMapOvr>
     <a:masterClrMapping/>
   </p:clrMapOvr>
-  <p:timing>
-    <p:tnLst>
-      <p:par>
-        <p:cTn id="1" dur="indefinite" restart="never" nodeType="tmRoot"/>
-      </p:par>
-    </p:tnLst>
-  </p:timing>
 </p:sld>
 </file>
 
@@ -12098,10 +11205,9 @@
           <a:lstStyle/>
           <a:p>
             <a:r>
-              <a:rPr lang="en-US" dirty="0" smtClean="0"/>
+              <a:rPr lang="en-US" dirty="0"/>
               <a:t>The Repository Pattern</a:t>
             </a:r>
-            <a:endParaRPr lang="en-US" dirty="0"/>
           </a:p>
         </p:txBody>
       </p:sp>
@@ -12121,10 +11227,9 @@
           <a:lstStyle/>
           <a:p>
             <a:r>
-              <a:rPr lang="en-US" dirty="0" smtClean="0"/>
+              <a:rPr lang="en-US" dirty="0"/>
               <a:t>Live Demo</a:t>
             </a:r>
-            <a:endParaRPr lang="en-US" dirty="0"/>
           </a:p>
         </p:txBody>
       </p:sp>
@@ -12174,10 +11279,9 @@
           <a:lstStyle/>
           <a:p>
             <a:r>
-              <a:rPr lang="en-US" dirty="0" smtClean="0"/>
+              <a:rPr lang="en-US" dirty="0"/>
               <a:t>Why These Repositories?</a:t>
             </a:r>
-            <a:endParaRPr lang="en-US" dirty="0"/>
           </a:p>
         </p:txBody>
       </p:sp>
@@ -12207,7 +11311,7 @@
               </a:lnSpc>
             </a:pPr>
             <a:r>
-              <a:rPr lang="en-US" dirty="0" smtClean="0"/>
+              <a:rPr lang="en-US" dirty="0"/>
               <a:t>Repository pattern has the f0llowing features:</a:t>
             </a:r>
           </a:p>
@@ -12218,7 +11322,7 @@
               </a:lnSpc>
             </a:pPr>
             <a:r>
-              <a:rPr lang="en-US" dirty="0" smtClean="0"/>
+              <a:rPr lang="en-US" dirty="0"/>
               <a:t>Testability of the application</a:t>
             </a:r>
           </a:p>
@@ -12229,7 +11333,7 @@
               </a:lnSpc>
             </a:pPr>
             <a:r>
-              <a:rPr lang="en-US" dirty="0" smtClean="0"/>
+              <a:rPr lang="en-US" dirty="0"/>
               <a:t>When the testing of the repositories is done, they can be mocked to test the business layer</a:t>
             </a:r>
           </a:p>
@@ -12240,7 +11344,7 @@
               </a:lnSpc>
             </a:pPr>
             <a:r>
-              <a:rPr lang="en-US" dirty="0" smtClean="0"/>
+              <a:rPr lang="en-US" dirty="0"/>
               <a:t>Reusability or the repositories</a:t>
             </a:r>
           </a:p>
@@ -12251,7 +11355,7 @@
               </a:lnSpc>
             </a:pPr>
             <a:r>
-              <a:rPr lang="en-US" dirty="0" smtClean="0"/>
+              <a:rPr lang="en-US" dirty="0"/>
               <a:t>When creating a new business layer working with the same Database (like admin panel)</a:t>
             </a:r>
           </a:p>
@@ -12262,7 +11366,7 @@
               </a:lnSpc>
             </a:pPr>
             <a:r>
-              <a:rPr lang="en-US" dirty="0" smtClean="0"/>
+              <a:rPr lang="en-US" dirty="0"/>
               <a:t>Extensibility of the business layer</a:t>
             </a:r>
           </a:p>
@@ -12273,10 +11377,9 @@
               </a:lnSpc>
             </a:pPr>
             <a:r>
-              <a:rPr lang="en-US" dirty="0" smtClean="0"/>
+              <a:rPr lang="en-US" dirty="0"/>
               <a:t>In need of more repositories, they can be easily produced</a:t>
             </a:r>
-            <a:endParaRPr lang="en-US" dirty="0"/>
           </a:p>
         </p:txBody>
       </p:sp>
@@ -12326,10 +11429,9 @@
           <a:lstStyle/>
           <a:p>
             <a:r>
-              <a:rPr lang="en-US" dirty="0" smtClean="0"/>
+              <a:rPr lang="en-US" dirty="0"/>
               <a:t>Repository Pattern in WebAPI</a:t>
             </a:r>
-            <a:endParaRPr lang="en-US" dirty="0"/>
           </a:p>
         </p:txBody>
       </p:sp>
